--- a/figures/Powerpoint/DesginFlowcharts.pptx
+++ b/figures/Powerpoint/DesginFlowcharts.pptx
@@ -246,7 +246,7 @@
           <a:p>
             <a:fld id="{7854B9CE-4D77-C740-9A68-E4BD7A7A0860}" type="datetimeFigureOut">
               <a:rPr lang="en-GB" smtClean="0"/>
-              <a:t>24/05/2019</a:t>
+              <a:t>31/05/2019</a:t>
             </a:fld>
             <a:endParaRPr lang="en-GB"/>
           </a:p>
@@ -416,7 +416,7 @@
           <a:p>
             <a:fld id="{7854B9CE-4D77-C740-9A68-E4BD7A7A0860}" type="datetimeFigureOut">
               <a:rPr lang="en-GB" smtClean="0"/>
-              <a:t>24/05/2019</a:t>
+              <a:t>31/05/2019</a:t>
             </a:fld>
             <a:endParaRPr lang="en-GB"/>
           </a:p>
@@ -596,7 +596,7 @@
           <a:p>
             <a:fld id="{7854B9CE-4D77-C740-9A68-E4BD7A7A0860}" type="datetimeFigureOut">
               <a:rPr lang="en-GB" smtClean="0"/>
-              <a:t>24/05/2019</a:t>
+              <a:t>31/05/2019</a:t>
             </a:fld>
             <a:endParaRPr lang="en-GB"/>
           </a:p>
@@ -766,7 +766,7 @@
           <a:p>
             <a:fld id="{7854B9CE-4D77-C740-9A68-E4BD7A7A0860}" type="datetimeFigureOut">
               <a:rPr lang="en-GB" smtClean="0"/>
-              <a:t>24/05/2019</a:t>
+              <a:t>31/05/2019</a:t>
             </a:fld>
             <a:endParaRPr lang="en-GB"/>
           </a:p>
@@ -1010,7 +1010,7 @@
           <a:p>
             <a:fld id="{7854B9CE-4D77-C740-9A68-E4BD7A7A0860}" type="datetimeFigureOut">
               <a:rPr lang="en-GB" smtClean="0"/>
-              <a:t>24/05/2019</a:t>
+              <a:t>31/05/2019</a:t>
             </a:fld>
             <a:endParaRPr lang="en-GB"/>
           </a:p>
@@ -1242,7 +1242,7 @@
           <a:p>
             <a:fld id="{7854B9CE-4D77-C740-9A68-E4BD7A7A0860}" type="datetimeFigureOut">
               <a:rPr lang="en-GB" smtClean="0"/>
-              <a:t>24/05/2019</a:t>
+              <a:t>31/05/2019</a:t>
             </a:fld>
             <a:endParaRPr lang="en-GB"/>
           </a:p>
@@ -1609,7 +1609,7 @@
           <a:p>
             <a:fld id="{7854B9CE-4D77-C740-9A68-E4BD7A7A0860}" type="datetimeFigureOut">
               <a:rPr lang="en-GB" smtClean="0"/>
-              <a:t>24/05/2019</a:t>
+              <a:t>31/05/2019</a:t>
             </a:fld>
             <a:endParaRPr lang="en-GB"/>
           </a:p>
@@ -1727,7 +1727,7 @@
           <a:p>
             <a:fld id="{7854B9CE-4D77-C740-9A68-E4BD7A7A0860}" type="datetimeFigureOut">
               <a:rPr lang="en-GB" smtClean="0"/>
-              <a:t>24/05/2019</a:t>
+              <a:t>31/05/2019</a:t>
             </a:fld>
             <a:endParaRPr lang="en-GB"/>
           </a:p>
@@ -1822,7 +1822,7 @@
           <a:p>
             <a:fld id="{7854B9CE-4D77-C740-9A68-E4BD7A7A0860}" type="datetimeFigureOut">
               <a:rPr lang="en-GB" smtClean="0"/>
-              <a:t>24/05/2019</a:t>
+              <a:t>31/05/2019</a:t>
             </a:fld>
             <a:endParaRPr lang="en-GB"/>
           </a:p>
@@ -2099,7 +2099,7 @@
           <a:p>
             <a:fld id="{7854B9CE-4D77-C740-9A68-E4BD7A7A0860}" type="datetimeFigureOut">
               <a:rPr lang="en-GB" smtClean="0"/>
-              <a:t>24/05/2019</a:t>
+              <a:t>31/05/2019</a:t>
             </a:fld>
             <a:endParaRPr lang="en-GB"/>
           </a:p>
@@ -2356,7 +2356,7 @@
           <a:p>
             <a:fld id="{7854B9CE-4D77-C740-9A68-E4BD7A7A0860}" type="datetimeFigureOut">
               <a:rPr lang="en-GB" smtClean="0"/>
-              <a:t>24/05/2019</a:t>
+              <a:t>31/05/2019</a:t>
             </a:fld>
             <a:endParaRPr lang="en-GB"/>
           </a:p>
@@ -2569,7 +2569,7 @@
           <a:p>
             <a:fld id="{7854B9CE-4D77-C740-9A68-E4BD7A7A0860}" type="datetimeFigureOut">
               <a:rPr lang="en-GB" smtClean="0"/>
-              <a:t>24/05/2019</a:t>
+              <a:t>31/05/2019</a:t>
             </a:fld>
             <a:endParaRPr lang="en-GB"/>
           </a:p>
@@ -2974,8 +2974,8 @@
           <a:chExt cx="0" cy="0"/>
         </a:xfrm>
       </p:grpSpPr>
-      <mc:AlternateContent xmlns:mc="http://schemas.openxmlformats.org/markup-compatibility/2006">
-        <mc:Choice xmlns:a14="http://schemas.microsoft.com/office/drawing/2010/main" Requires="a14">
+      <mc:AlternateContent xmlns:mc="http://schemas.openxmlformats.org/markup-compatibility/2006" xmlns:a14="http://schemas.microsoft.com/office/drawing/2010/main">
+        <mc:Choice Requires="a14">
           <p:sp>
             <p:nvSpPr>
               <p:cNvPr id="4" name="TextBox 3">
@@ -3105,7 +3105,7 @@
             </p:txBody>
           </p:sp>
         </mc:Choice>
-        <mc:Fallback>
+        <mc:Fallback xmlns="">
           <p:sp>
             <p:nvSpPr>
               <p:cNvPr id="4" name="TextBox 3">
@@ -3910,8 +3910,8 @@
           </a:p>
         </p:txBody>
       </p:sp>
-      <mc:AlternateContent xmlns:mc="http://schemas.openxmlformats.org/markup-compatibility/2006">
-        <mc:Choice xmlns:a14="http://schemas.microsoft.com/office/drawing/2010/main" Requires="a14">
+      <mc:AlternateContent xmlns:mc="http://schemas.openxmlformats.org/markup-compatibility/2006" xmlns:a14="http://schemas.microsoft.com/office/drawing/2010/main">
+        <mc:Choice Requires="a14">
           <p:sp>
             <p:nvSpPr>
               <p:cNvPr id="23" name="TextBox 22">
@@ -4021,7 +4021,7 @@
             </p:txBody>
           </p:sp>
         </mc:Choice>
-        <mc:Fallback>
+        <mc:Fallback xmlns="">
           <p:sp>
             <p:nvSpPr>
               <p:cNvPr id="23" name="TextBox 22">
@@ -4071,8 +4071,8 @@
           </p:sp>
         </mc:Fallback>
       </mc:AlternateContent>
-      <mc:AlternateContent xmlns:mc="http://schemas.openxmlformats.org/markup-compatibility/2006">
-        <mc:Choice xmlns:a14="http://schemas.microsoft.com/office/drawing/2010/main" Requires="a14">
+      <mc:AlternateContent xmlns:mc="http://schemas.openxmlformats.org/markup-compatibility/2006" xmlns:a14="http://schemas.microsoft.com/office/drawing/2010/main">
+        <mc:Choice Requires="a14">
           <p:sp>
             <p:nvSpPr>
               <p:cNvPr id="24" name="TextBox 23">
@@ -4573,7 +4573,7 @@
             </p:txBody>
           </p:sp>
         </mc:Choice>
-        <mc:Fallback>
+        <mc:Fallback xmlns="">
           <p:sp>
             <p:nvSpPr>
               <p:cNvPr id="24" name="TextBox 23">
@@ -4861,7 +4861,7 @@
         <p:spPr>
           <a:xfrm>
             <a:off x="8800463" y="9894177"/>
-            <a:ext cx="1119532" cy="15046"/>
+            <a:ext cx="1119532" cy="0"/>
           </a:xfrm>
           <a:prstGeom prst="straightConnector1">
             <a:avLst/>
@@ -4888,8 +4888,8 @@
           </a:fontRef>
         </p:style>
       </p:cxnSp>
-      <mc:AlternateContent xmlns:mc="http://schemas.openxmlformats.org/markup-compatibility/2006">
-        <mc:Choice xmlns:a14="http://schemas.microsoft.com/office/drawing/2010/main" Requires="a14">
+      <mc:AlternateContent xmlns:mc="http://schemas.openxmlformats.org/markup-compatibility/2006" xmlns:a14="http://schemas.microsoft.com/office/drawing/2010/main">
+        <mc:Choice Requires="a14">
           <p:sp>
             <p:nvSpPr>
               <p:cNvPr id="31" name="TextBox 30">
@@ -4992,7 +4992,7 @@
             </p:txBody>
           </p:sp>
         </mc:Choice>
-        <mc:Fallback>
+        <mc:Fallback xmlns="">
           <p:sp>
             <p:nvSpPr>
               <p:cNvPr id="31" name="TextBox 30">
@@ -5134,8 +5134,8 @@
           </a:fontRef>
         </p:style>
       </p:cxnSp>
-      <mc:AlternateContent xmlns:mc="http://schemas.openxmlformats.org/markup-compatibility/2006">
-        <mc:Choice xmlns:a14="http://schemas.microsoft.com/office/drawing/2010/main" Requires="a14">
+      <mc:AlternateContent xmlns:mc="http://schemas.openxmlformats.org/markup-compatibility/2006" xmlns:a14="http://schemas.microsoft.com/office/drawing/2010/main">
+        <mc:Choice Requires="a14">
           <p:sp>
             <p:nvSpPr>
               <p:cNvPr id="34" name="TextBox 33">
@@ -5220,7 +5220,7 @@
             </p:txBody>
           </p:sp>
         </mc:Choice>
-        <mc:Fallback>
+        <mc:Fallback xmlns="">
           <p:sp>
             <p:nvSpPr>
               <p:cNvPr id="34" name="TextBox 33">
@@ -5265,8 +5265,8 @@
           </p:sp>
         </mc:Fallback>
       </mc:AlternateContent>
-      <mc:AlternateContent xmlns:mc="http://schemas.openxmlformats.org/markup-compatibility/2006">
-        <mc:Choice xmlns:a14="http://schemas.microsoft.com/office/drawing/2010/main" Requires="a14">
+      <mc:AlternateContent xmlns:mc="http://schemas.openxmlformats.org/markup-compatibility/2006" xmlns:a14="http://schemas.microsoft.com/office/drawing/2010/main">
+        <mc:Choice Requires="a14">
           <p:sp>
             <p:nvSpPr>
               <p:cNvPr id="35" name="TextBox 34">
@@ -5882,7 +5882,7 @@
             </p:txBody>
           </p:sp>
         </mc:Choice>
-        <mc:Fallback>
+        <mc:Fallback xmlns="">
           <p:sp>
             <p:nvSpPr>
               <p:cNvPr id="35" name="TextBox 34">
@@ -6368,8 +6368,8 @@
           </a:p>
         </p:txBody>
       </p:sp>
-      <mc:AlternateContent xmlns:mc="http://schemas.openxmlformats.org/markup-compatibility/2006">
-        <mc:Choice xmlns:a14="http://schemas.microsoft.com/office/drawing/2010/main" Requires="a14">
+      <mc:AlternateContent xmlns:mc="http://schemas.openxmlformats.org/markup-compatibility/2006" xmlns:a14="http://schemas.microsoft.com/office/drawing/2010/main">
+        <mc:Choice Requires="a14">
           <p:sp>
             <p:nvSpPr>
               <p:cNvPr id="58" name="TextBox 57">
@@ -6441,7 +6441,7 @@
             </p:txBody>
           </p:sp>
         </mc:Choice>
-        <mc:Fallback>
+        <mc:Fallback xmlns="">
           <p:sp>
             <p:nvSpPr>
               <p:cNvPr id="58" name="TextBox 57">
@@ -6489,8 +6489,8 @@
           </p:sp>
         </mc:Fallback>
       </mc:AlternateContent>
-      <mc:AlternateContent xmlns:mc="http://schemas.openxmlformats.org/markup-compatibility/2006">
-        <mc:Choice xmlns:a14="http://schemas.microsoft.com/office/drawing/2010/main" Requires="a14">
+      <mc:AlternateContent xmlns:mc="http://schemas.openxmlformats.org/markup-compatibility/2006" xmlns:a14="http://schemas.microsoft.com/office/drawing/2010/main">
+        <mc:Choice Requires="a14">
           <p:sp>
             <p:nvSpPr>
               <p:cNvPr id="59" name="TextBox 58">
@@ -6803,7 +6803,7 @@
             </p:txBody>
           </p:sp>
         </mc:Choice>
-        <mc:Fallback>
+        <mc:Fallback xmlns="">
           <p:sp>
             <p:nvSpPr>
               <p:cNvPr id="59" name="TextBox 58">
@@ -6901,8 +6901,8 @@
           </a:fontRef>
         </p:style>
       </p:cxnSp>
-      <mc:AlternateContent xmlns:mc="http://schemas.openxmlformats.org/markup-compatibility/2006">
-        <mc:Choice xmlns:a14="http://schemas.microsoft.com/office/drawing/2010/main" Requires="a14">
+      <mc:AlternateContent xmlns:mc="http://schemas.openxmlformats.org/markup-compatibility/2006" xmlns:a14="http://schemas.microsoft.com/office/drawing/2010/main">
+        <mc:Choice Requires="a14">
           <p:sp>
             <p:nvSpPr>
               <p:cNvPr id="68" name="TextBox 67">
@@ -7017,7 +7017,7 @@
             </p:txBody>
           </p:sp>
         </mc:Choice>
-        <mc:Fallback>
+        <mc:Fallback xmlns="">
           <p:sp>
             <p:nvSpPr>
               <p:cNvPr id="68" name="TextBox 67">
@@ -7240,8 +7240,8 @@
           </a:p>
         </p:txBody>
       </p:sp>
-      <mc:AlternateContent xmlns:mc="http://schemas.openxmlformats.org/markup-compatibility/2006">
-        <mc:Choice xmlns:a14="http://schemas.microsoft.com/office/drawing/2010/main" Requires="a14">
+      <mc:AlternateContent xmlns:mc="http://schemas.openxmlformats.org/markup-compatibility/2006" xmlns:a14="http://schemas.microsoft.com/office/drawing/2010/main">
+        <mc:Choice Requires="a14">
           <p:sp>
             <p:nvSpPr>
               <p:cNvPr id="86" name="TextBox 85">
@@ -7353,7 +7353,7 @@
             </p:txBody>
           </p:sp>
         </mc:Choice>
-        <mc:Fallback>
+        <mc:Fallback xmlns="">
           <p:sp>
             <p:nvSpPr>
               <p:cNvPr id="86" name="TextBox 85">
@@ -7444,8 +7444,8 @@
           </a:p>
         </p:txBody>
       </p:sp>
-      <mc:AlternateContent xmlns:mc="http://schemas.openxmlformats.org/markup-compatibility/2006">
-        <mc:Choice xmlns:a14="http://schemas.microsoft.com/office/drawing/2010/main" Requires="a14">
+      <mc:AlternateContent xmlns:mc="http://schemas.openxmlformats.org/markup-compatibility/2006" xmlns:a14="http://schemas.microsoft.com/office/drawing/2010/main">
+        <mc:Choice Requires="a14">
           <p:sp>
             <p:nvSpPr>
               <p:cNvPr id="91" name="TextBox 90">
@@ -7751,7 +7751,7 @@
             </p:txBody>
           </p:sp>
         </mc:Choice>
-        <mc:Fallback>
+        <mc:Fallback xmlns="">
           <p:sp>
             <p:nvSpPr>
               <p:cNvPr id="91" name="TextBox 90">
@@ -7844,8 +7844,8 @@
           </a:p>
         </p:txBody>
       </p:sp>
-      <mc:AlternateContent xmlns:mc="http://schemas.openxmlformats.org/markup-compatibility/2006">
-        <mc:Choice xmlns:a14="http://schemas.microsoft.com/office/drawing/2010/main" Requires="a14">
+      <mc:AlternateContent xmlns:mc="http://schemas.openxmlformats.org/markup-compatibility/2006" xmlns:a14="http://schemas.microsoft.com/office/drawing/2010/main">
+        <mc:Choice Requires="a14">
           <p:sp>
             <p:nvSpPr>
               <p:cNvPr id="133" name="TextBox 132">
@@ -8351,7 +8351,7 @@
             </p:txBody>
           </p:sp>
         </mc:Choice>
-        <mc:Fallback>
+        <mc:Fallback xmlns="">
           <p:sp>
             <p:nvSpPr>
               <p:cNvPr id="133" name="TextBox 132">
@@ -8509,7 +8509,7 @@
         </p:nvSpPr>
         <p:spPr>
           <a:xfrm>
-            <a:off x="2943363" y="9624880"/>
+            <a:off x="2943363" y="9642465"/>
             <a:ext cx="861675" cy="369332"/>
           </a:xfrm>
           <a:prstGeom prst="rect">
@@ -8554,9 +8554,9 @@
           <p:nvPr/>
         </p:nvCxnSpPr>
         <p:spPr>
-          <a:xfrm>
-            <a:off x="5237245" y="9817040"/>
-            <a:ext cx="589126" cy="0"/>
+          <a:xfrm flipV="1">
+            <a:off x="5254813" y="9817040"/>
+            <a:ext cx="571558" cy="0"/>
           </a:xfrm>
           <a:prstGeom prst="straightConnector1">
             <a:avLst/>
@@ -8645,7 +8645,7 @@
         <p:spPr>
           <a:xfrm>
             <a:off x="11365192" y="15746314"/>
-            <a:ext cx="947857" cy="7593"/>
+            <a:ext cx="947857" cy="0"/>
           </a:xfrm>
           <a:prstGeom prst="straightConnector1">
             <a:avLst/>
@@ -8689,7 +8689,7 @@
             <p:spPr>
               <a:xfrm>
                 <a:off x="12010928" y="28955532"/>
-                <a:ext cx="1535805" cy="369332"/>
+                <a:ext cx="1517595" cy="369332"/>
               </a:xfrm>
               <a:prstGeom prst="rect">
                 <a:avLst/>
@@ -8752,7 +8752,7 @@
                               <a:latin typeface="Cambria Math" panose="02040503050406030204" pitchFamily="18" charset="0"/>
                               <a:cs typeface="Calibri" panose="020F0502020204030204" pitchFamily="34" charset="0"/>
                             </a:rPr>
-                            <m:t>𝑣</m:t>
+                            <m:t>𝑐</m:t>
                           </m:r>
                         </m:sub>
                       </m:sSub>
@@ -8794,7 +8794,7 @@
                               <a:latin typeface="Cambria Math" panose="02040503050406030204" pitchFamily="18" charset="0"/>
                               <a:ea typeface="Cambria Math" panose="02040503050406030204" pitchFamily="18" charset="0"/>
                             </a:rPr>
-                            <m:t>𝑣</m:t>
+                            <m:t>𝑐</m:t>
                           </m:r>
                           <m:r>
                             <a:rPr lang="en-GB" b="0" i="1" smtClean="0">
@@ -8834,7 +8834,7 @@
             <p:spPr>
               <a:xfrm>
                 <a:off x="12010928" y="28955532"/>
-                <a:ext cx="1535805" cy="369332"/>
+                <a:ext cx="1517595" cy="369332"/>
               </a:xfrm>
               <a:prstGeom prst="rect">
                 <a:avLst/>
@@ -8910,8 +8910,8 @@
           </a:fontRef>
         </p:style>
       </p:cxnSp>
-      <mc:AlternateContent xmlns:mc="http://schemas.openxmlformats.org/markup-compatibility/2006">
-        <mc:Choice xmlns:a14="http://schemas.microsoft.com/office/drawing/2010/main" Requires="a14">
+      <mc:AlternateContent xmlns:mc="http://schemas.openxmlformats.org/markup-compatibility/2006" xmlns:a14="http://schemas.microsoft.com/office/drawing/2010/main">
+        <mc:Choice Requires="a14">
           <p:sp>
             <p:nvSpPr>
               <p:cNvPr id="184" name="Rectangle 183">
@@ -8991,7 +8991,7 @@
             </p:txBody>
           </p:sp>
         </mc:Choice>
-        <mc:Fallback>
+        <mc:Fallback xmlns="">
           <p:sp>
             <p:nvSpPr>
               <p:cNvPr id="184" name="Rectangle 183">
@@ -9143,7 +9143,7 @@
         </p:nvCxnSpPr>
         <p:spPr>
           <a:xfrm>
-            <a:off x="12778831" y="29324864"/>
+            <a:off x="12769726" y="29324864"/>
             <a:ext cx="0" cy="643206"/>
           </a:xfrm>
           <a:prstGeom prst="straightConnector1">
@@ -9234,7 +9234,7 @@
             <p:spPr>
               <a:xfrm>
                 <a:off x="12313049" y="15569241"/>
-                <a:ext cx="1517595" cy="369332"/>
+                <a:ext cx="1556003" cy="390748"/>
               </a:xfrm>
               <a:prstGeom prst="rect">
                 <a:avLst/>
@@ -9297,7 +9297,7 @@
                               <a:latin typeface="Cambria Math" panose="02040503050406030204" pitchFamily="18" charset="0"/>
                               <a:cs typeface="Calibri" panose="020F0502020204030204" pitchFamily="34" charset="0"/>
                             </a:rPr>
-                            <m:t>𝑐</m:t>
+                            <m:t>𝑝</m:t>
                           </m:r>
                         </m:sub>
                       </m:sSub>
@@ -9338,12 +9338,12 @@
                         </m:e>
                         <m:sub>
                           <m:r>
-                            <a:rPr lang="en-GB" i="1">
+                            <a:rPr lang="en-GB" b="0" i="1" smtClean="0">
                               <a:latin typeface="Cambria Math" panose="02040503050406030204" pitchFamily="18" charset="0"/>
                               <a:ea typeface="Cambria Math" panose="02040503050406030204" pitchFamily="18" charset="0"/>
                               <a:cs typeface="Calibri" panose="020F0502020204030204" pitchFamily="34" charset="0"/>
                             </a:rPr>
-                            <m:t>𝑐</m:t>
+                            <m:t>𝑝</m:t>
                           </m:r>
                           <m:r>
                             <a:rPr lang="en-GB" i="1">
@@ -9384,7 +9384,7 @@
             <p:spPr>
               <a:xfrm>
                 <a:off x="12313049" y="15569241"/>
-                <a:ext cx="1517595" cy="369332"/>
+                <a:ext cx="1556003" cy="390748"/>
               </a:xfrm>
               <a:prstGeom prst="rect">
                 <a:avLst/>
@@ -9416,8 +9416,8 @@
           </p:sp>
         </mc:Fallback>
       </mc:AlternateContent>
-      <mc:AlternateContent xmlns:mc="http://schemas.openxmlformats.org/markup-compatibility/2006">
-        <mc:Choice xmlns:a14="http://schemas.microsoft.com/office/drawing/2010/main" Requires="a14">
+      <mc:AlternateContent xmlns:mc="http://schemas.openxmlformats.org/markup-compatibility/2006" xmlns:a14="http://schemas.microsoft.com/office/drawing/2010/main">
+        <mc:Choice Requires="a14">
           <p:sp>
             <p:nvSpPr>
               <p:cNvPr id="167" name="Rectangle 166">
@@ -9497,7 +9497,7 @@
             </p:txBody>
           </p:sp>
         </mc:Choice>
-        <mc:Fallback>
+        <mc:Fallback xmlns="">
           <p:sp>
             <p:nvSpPr>
               <p:cNvPr id="167" name="Rectangle 166">
@@ -9564,9 +9564,9 @@
           <p:nvPr/>
         </p:nvCxnSpPr>
         <p:spPr>
-          <a:xfrm>
-            <a:off x="13071847" y="15938573"/>
-            <a:ext cx="2098" cy="858976"/>
+          <a:xfrm flipH="1">
+            <a:off x="13073945" y="15959989"/>
+            <a:ext cx="17106" cy="837560"/>
           </a:xfrm>
           <a:prstGeom prst="straightConnector1">
             <a:avLst/>
@@ -9657,8 +9657,8 @@
         </p:nvCxnSpPr>
         <p:spPr>
           <a:xfrm>
-            <a:off x="13830644" y="15753907"/>
-            <a:ext cx="2471287" cy="1055834"/>
+            <a:off x="13869052" y="15764615"/>
+            <a:ext cx="2432879" cy="1045126"/>
           </a:xfrm>
           <a:prstGeom prst="bentConnector2">
             <a:avLst/>
@@ -9745,7 +9745,7 @@
             <p:spPr>
               <a:xfrm>
                 <a:off x="4362197" y="9632374"/>
-                <a:ext cx="875048" cy="369332"/>
+                <a:ext cx="892616" cy="390748"/>
               </a:xfrm>
               <a:prstGeom prst="rect">
                 <a:avLst/>
@@ -9807,7 +9807,7 @@
                               <a:latin typeface="Cambria Math" panose="02040503050406030204" pitchFamily="18" charset="0"/>
                               <a:cs typeface="Calibri" panose="020F0502020204030204" pitchFamily="34" charset="0"/>
                             </a:rPr>
-                            <m:t>𝑐</m:t>
+                            <m:t>𝑝</m:t>
                           </m:r>
                         </m:sub>
                       </m:sSub>
@@ -9844,7 +9844,7 @@
             <p:spPr>
               <a:xfrm>
                 <a:off x="4362197" y="9632374"/>
-                <a:ext cx="875048" cy="369332"/>
+                <a:ext cx="892616" cy="390748"/>
               </a:xfrm>
               <a:prstGeom prst="rect">
                 <a:avLst/>
@@ -9852,7 +9852,7 @@
               <a:blipFill>
                 <a:blip r:embed="rId18"/>
                 <a:stretch>
-                  <a:fillRect b="-9375"/>
+                  <a:fillRect b="-6061"/>
                 </a:stretch>
               </a:blipFill>
               <a:ln>
@@ -9893,8 +9893,8 @@
         </p:nvCxnSpPr>
         <p:spPr>
           <a:xfrm>
-            <a:off x="3805038" y="9809546"/>
-            <a:ext cx="557159" cy="0"/>
+            <a:off x="3805038" y="9827131"/>
+            <a:ext cx="557159" cy="617"/>
           </a:xfrm>
           <a:prstGeom prst="straightConnector1">
             <a:avLst/>
@@ -10005,8 +10005,8 @@
           </a:p>
         </p:txBody>
       </p:sp>
-      <mc:AlternateContent xmlns:mc="http://schemas.openxmlformats.org/markup-compatibility/2006">
-        <mc:Choice xmlns:a14="http://schemas.microsoft.com/office/drawing/2010/main" Requires="a14">
+      <mc:AlternateContent xmlns:mc="http://schemas.openxmlformats.org/markup-compatibility/2006" xmlns:a14="http://schemas.microsoft.com/office/drawing/2010/main">
+        <mc:Choice Requires="a14">
           <p:sp>
             <p:nvSpPr>
               <p:cNvPr id="218" name="Rectangle 217">
@@ -10086,7 +10086,7 @@
             </p:txBody>
           </p:sp>
         </mc:Choice>
-        <mc:Fallback>
+        <mc:Fallback xmlns="">
           <p:sp>
             <p:nvSpPr>
               <p:cNvPr id="218" name="Rectangle 217">
@@ -10153,7 +10153,7 @@
             <p:spPr>
               <a:xfrm>
                 <a:off x="12335169" y="17663656"/>
-                <a:ext cx="1425134" cy="369332"/>
+                <a:ext cx="1511311" cy="390748"/>
               </a:xfrm>
               <a:prstGeom prst="rect">
                 <a:avLst/>
@@ -10216,7 +10216,7 @@
                               <a:latin typeface="Cambria Math" panose="02040503050406030204" pitchFamily="18" charset="0"/>
                               <a:cs typeface="Calibri" panose="020F0502020204030204" pitchFamily="34" charset="0"/>
                             </a:rPr>
-                            <m:t>𝑐</m:t>
+                            <m:t>𝑝</m:t>
                           </m:r>
                         </m:sub>
                       </m:sSub>
@@ -10257,12 +10257,12 @@
                         </m:e>
                         <m:sub>
                           <m:r>
-                            <a:rPr lang="en-GB" i="1">
+                            <a:rPr lang="en-GB" b="0" i="1" smtClean="0">
                               <a:latin typeface="Cambria Math" panose="02040503050406030204" pitchFamily="18" charset="0"/>
                               <a:ea typeface="Cambria Math" panose="02040503050406030204" pitchFamily="18" charset="0"/>
                               <a:cs typeface="Calibri" panose="020F0502020204030204" pitchFamily="34" charset="0"/>
                             </a:rPr>
-                            <m:t>𝑐</m:t>
+                            <m:t>𝑝</m:t>
                           </m:r>
                         </m:sub>
                       </m:sSub>
@@ -10295,7 +10295,7 @@
             <p:spPr>
               <a:xfrm>
                 <a:off x="12335169" y="17663656"/>
-                <a:ext cx="1425134" cy="369332"/>
+                <a:ext cx="1511311" cy="390748"/>
               </a:xfrm>
               <a:prstGeom prst="rect">
                 <a:avLst/>
@@ -10429,8 +10429,8 @@
         </p:nvCxnSpPr>
         <p:spPr>
           <a:xfrm flipV="1">
-            <a:off x="13760303" y="17179073"/>
-            <a:ext cx="2541628" cy="669249"/>
+            <a:off x="13846480" y="17179073"/>
+            <a:ext cx="2455451" cy="679957"/>
           </a:xfrm>
           <a:prstGeom prst="bentConnector2">
             <a:avLst/>
@@ -10473,13 +10473,13 @@
           <p:nvPr/>
         </p:nvCxnSpPr>
         <p:spPr>
-          <a:xfrm rot="5400000">
-            <a:off x="11243330" y="16233700"/>
-            <a:ext cx="5119" cy="3603695"/>
+          <a:xfrm rot="5400000" flipH="1">
+            <a:off x="11259284" y="16222864"/>
+            <a:ext cx="16297" cy="3646784"/>
           </a:xfrm>
           <a:prstGeom prst="bentConnector3">
             <a:avLst>
-              <a:gd name="adj1" fmla="val 4565716"/>
+              <a:gd name="adj1" fmla="val -1402712"/>
             </a:avLst>
           </a:prstGeom>
           <a:ln>
@@ -10520,9 +10520,9 @@
           <p:nvPr/>
         </p:nvCxnSpPr>
         <p:spPr>
-          <a:xfrm flipV="1">
-            <a:off x="11041529" y="17848322"/>
-            <a:ext cx="1293640" cy="5119"/>
+          <a:xfrm>
+            <a:off x="11041529" y="17853441"/>
+            <a:ext cx="1293640" cy="5589"/>
           </a:xfrm>
           <a:prstGeom prst="straightConnector1">
             <a:avLst/>
@@ -10566,8 +10566,8 @@
         </p:nvCxnSpPr>
         <p:spPr>
           <a:xfrm rot="16200000" flipH="1">
-            <a:off x="2397269" y="12404157"/>
-            <a:ext cx="7851735" cy="3046831"/>
+            <a:off x="2412369" y="12419257"/>
+            <a:ext cx="7830319" cy="3038047"/>
           </a:xfrm>
           <a:prstGeom prst="bentConnector2">
             <a:avLst/>
@@ -10611,7 +10611,7 @@
             <p:spPr>
               <a:xfrm>
                 <a:off x="6059647" y="22852532"/>
-                <a:ext cx="832343" cy="369332"/>
+                <a:ext cx="823752" cy="369332"/>
               </a:xfrm>
               <a:prstGeom prst="rect">
                 <a:avLst/>
@@ -10673,7 +10673,7 @@
                               <a:latin typeface="Cambria Math" panose="02040503050406030204" pitchFamily="18" charset="0"/>
                               <a:cs typeface="Calibri" panose="020F0502020204030204" pitchFamily="34" charset="0"/>
                             </a:rPr>
-                            <m:t>𝑣</m:t>
+                            <m:t>𝑐</m:t>
                           </m:r>
                         </m:sub>
                       </m:sSub>
@@ -10703,7 +10703,7 @@
             <p:spPr>
               <a:xfrm>
                 <a:off x="6059647" y="22852532"/>
-                <a:ext cx="832343" cy="369332"/>
+                <a:ext cx="823752" cy="369332"/>
               </a:xfrm>
               <a:prstGeom prst="rect">
                 <a:avLst/>
@@ -10798,8 +10798,8 @@
         </p:nvCxnSpPr>
         <p:spPr>
           <a:xfrm flipV="1">
-            <a:off x="6891990" y="23027090"/>
-            <a:ext cx="1329866" cy="10108"/>
+            <a:off x="6883399" y="23027090"/>
+            <a:ext cx="1338457" cy="0"/>
           </a:xfrm>
           <a:prstGeom prst="straightConnector1">
             <a:avLst/>
@@ -10826,8 +10826,8 @@
           </a:fontRef>
         </p:style>
       </p:cxnSp>
-      <mc:AlternateContent xmlns:mc="http://schemas.openxmlformats.org/markup-compatibility/2006">
-        <mc:Choice xmlns:a14="http://schemas.microsoft.com/office/drawing/2010/main" Requires="a14">
+      <mc:AlternateContent xmlns:mc="http://schemas.openxmlformats.org/markup-compatibility/2006" xmlns:a14="http://schemas.microsoft.com/office/drawing/2010/main">
+        <mc:Choice Requires="a14">
           <p:sp>
             <p:nvSpPr>
               <p:cNvPr id="252" name="Rectangle 251">
@@ -10907,7 +10907,7 @@
             </p:txBody>
           </p:sp>
         </mc:Choice>
-        <mc:Fallback>
+        <mc:Fallback xmlns="">
           <p:sp>
             <p:nvSpPr>
               <p:cNvPr id="252" name="Rectangle 251">
@@ -10974,7 +10974,7 @@
             <p:spPr>
               <a:xfrm>
                 <a:off x="12623277" y="30570045"/>
-                <a:ext cx="1535805" cy="369332"/>
+                <a:ext cx="1425134" cy="369332"/>
               </a:xfrm>
               <a:prstGeom prst="rect">
                 <a:avLst/>
@@ -11037,7 +11037,7 @@
                               <a:latin typeface="Cambria Math" panose="02040503050406030204" pitchFamily="18" charset="0"/>
                               <a:cs typeface="Calibri" panose="020F0502020204030204" pitchFamily="34" charset="0"/>
                             </a:rPr>
-                            <m:t>𝑣</m:t>
+                            <m:t>𝑐</m:t>
                           </m:r>
                         </m:sub>
                       </m:sSub>
@@ -11083,15 +11083,7 @@
                               <a:ea typeface="Cambria Math" panose="02040503050406030204" pitchFamily="18" charset="0"/>
                               <a:cs typeface="Calibri" panose="020F0502020204030204" pitchFamily="34" charset="0"/>
                             </a:rPr>
-                            <m:t>𝑣</m:t>
-                          </m:r>
-                          <m:r>
-                            <a:rPr lang="en-GB" b="0" i="1" smtClean="0">
-                              <a:latin typeface="Cambria Math" panose="02040503050406030204" pitchFamily="18" charset="0"/>
-                              <a:ea typeface="Cambria Math" panose="02040503050406030204" pitchFamily="18" charset="0"/>
-                              <a:cs typeface="Calibri" panose="020F0502020204030204" pitchFamily="34" charset="0"/>
-                            </a:rPr>
-                            <m:t>1</m:t>
+                            <m:t>𝑐</m:t>
                           </m:r>
                         </m:sub>
                       </m:sSub>
@@ -11124,7 +11116,7 @@
             <p:spPr>
               <a:xfrm>
                 <a:off x="12623277" y="30570045"/>
-                <a:ext cx="1535805" cy="369332"/>
+                <a:ext cx="1425134" cy="369332"/>
               </a:xfrm>
               <a:prstGeom prst="rect">
                 <a:avLst/>
@@ -11257,8 +11249,8 @@
         </p:nvCxnSpPr>
         <p:spPr>
           <a:xfrm rot="5400000" flipH="1">
-            <a:off x="11244756" y="28792954"/>
-            <a:ext cx="5561" cy="4287287"/>
+            <a:off x="11217088" y="28820622"/>
+            <a:ext cx="5561" cy="4231951"/>
           </a:xfrm>
           <a:prstGeom prst="bentConnector3">
             <a:avLst>
@@ -11396,8 +11388,8 @@
         </p:nvCxnSpPr>
         <p:spPr>
           <a:xfrm rot="16200000" flipH="1">
-            <a:off x="3206629" y="26491053"/>
-            <a:ext cx="7527286" cy="988907"/>
+            <a:off x="3204481" y="26488905"/>
+            <a:ext cx="7527286" cy="993203"/>
           </a:xfrm>
           <a:prstGeom prst="bentConnector2">
             <a:avLst/>
@@ -11441,12 +11433,12 @@
         </p:nvCxnSpPr>
         <p:spPr>
           <a:xfrm flipV="1">
-            <a:off x="14159082" y="23022170"/>
-            <a:ext cx="1086954" cy="7732541"/>
+            <a:off x="14048411" y="23022170"/>
+            <a:ext cx="1197625" cy="7732541"/>
           </a:xfrm>
           <a:prstGeom prst="bentConnector3">
             <a:avLst>
-              <a:gd name="adj1" fmla="val 121031"/>
+              <a:gd name="adj1" fmla="val 119088"/>
             </a:avLst>
           </a:prstGeom>
           <a:ln>
@@ -11487,8 +11479,8 @@
         </p:nvCxnSpPr>
         <p:spPr>
           <a:xfrm>
-            <a:off x="13546733" y="29140198"/>
-            <a:ext cx="1907231" cy="0"/>
+            <a:off x="13528523" y="29140198"/>
+            <a:ext cx="1925441" cy="0"/>
           </a:xfrm>
           <a:prstGeom prst="line">
             <a:avLst/>
@@ -11857,8 +11849,8 @@
           </a:fontRef>
         </p:style>
       </p:cxnSp>
-      <mc:AlternateContent xmlns:mc="http://schemas.openxmlformats.org/markup-compatibility/2006">
-        <mc:Choice xmlns:a14="http://schemas.microsoft.com/office/drawing/2010/main" Requires="a14">
+      <mc:AlternateContent xmlns:mc="http://schemas.openxmlformats.org/markup-compatibility/2006" xmlns:a14="http://schemas.microsoft.com/office/drawing/2010/main">
+        <mc:Choice Requires="a14">
           <p:sp>
             <p:nvSpPr>
               <p:cNvPr id="169" name="TextBox 168">
@@ -12594,7 +12586,7 @@
             </p:txBody>
           </p:sp>
         </mc:Choice>
-        <mc:Fallback>
+        <mc:Fallback xmlns="">
           <p:sp>
             <p:nvSpPr>
               <p:cNvPr id="169" name="TextBox 168">
@@ -12644,8 +12636,8 @@
           </p:sp>
         </mc:Fallback>
       </mc:AlternateContent>
-      <mc:AlternateContent xmlns:mc="http://schemas.openxmlformats.org/markup-compatibility/2006">
-        <mc:Choice xmlns:a14="http://schemas.microsoft.com/office/drawing/2010/main" Requires="a14">
+      <mc:AlternateContent xmlns:mc="http://schemas.openxmlformats.org/markup-compatibility/2006" xmlns:a14="http://schemas.microsoft.com/office/drawing/2010/main">
+        <mc:Choice Requires="a14">
           <p:sp>
             <p:nvSpPr>
               <p:cNvPr id="170" name="Rectangle 169">
@@ -13063,7 +13055,7 @@
             </p:txBody>
           </p:sp>
         </mc:Choice>
-        <mc:Fallback>
+        <mc:Fallback xmlns="">
           <p:sp>
             <p:nvSpPr>
               <p:cNvPr id="170" name="Rectangle 169">
@@ -13113,8 +13105,8 @@
           </p:sp>
         </mc:Fallback>
       </mc:AlternateContent>
-      <mc:AlternateContent xmlns:mc="http://schemas.openxmlformats.org/markup-compatibility/2006">
-        <mc:Choice xmlns:a14="http://schemas.microsoft.com/office/drawing/2010/main" Requires="a14">
+      <mc:AlternateContent xmlns:mc="http://schemas.openxmlformats.org/markup-compatibility/2006" xmlns:a14="http://schemas.microsoft.com/office/drawing/2010/main">
+        <mc:Choice Requires="a14">
           <p:sp>
             <p:nvSpPr>
               <p:cNvPr id="171" name="Rectangle 170">
@@ -13214,7 +13206,7 @@
             </p:txBody>
           </p:sp>
         </mc:Choice>
-        <mc:Fallback>
+        <mc:Fallback xmlns="">
           <p:sp>
             <p:nvSpPr>
               <p:cNvPr id="171" name="Rectangle 170">
@@ -13280,8 +13272,8 @@
             </p:nvSpPr>
             <p:spPr>
               <a:xfrm>
-                <a:off x="11472720" y="10138063"/>
-                <a:ext cx="2290563" cy="369332"/>
+                <a:off x="11859582" y="10138063"/>
+                <a:ext cx="1587101" cy="369332"/>
               </a:xfrm>
               <a:prstGeom prst="rect">
                 <a:avLst/>
@@ -13392,49 +13384,7 @@
                               <a:latin typeface="Cambria Math" panose="02040503050406030204" pitchFamily="18" charset="0"/>
                               <a:ea typeface="Cambria Math" panose="02040503050406030204" pitchFamily="18" charset="0"/>
                             </a:rPr>
-                            <m:t>1</m:t>
-                          </m:r>
-                        </m:sub>
-                      </m:sSub>
-                      <m:r>
-                        <a:rPr lang="en-GB" i="1" dirty="0">
-                          <a:latin typeface="Cambria Math" panose="02040503050406030204" pitchFamily="18" charset="0"/>
-                          <a:cs typeface="Calibri" panose="020F0502020204030204" pitchFamily="34" charset="0"/>
-                        </a:rPr>
-                        <m:t>+∆</m:t>
-                      </m:r>
-                      <m:sSub>
-                        <m:sSubPr>
-                          <m:ctrlPr>
-                            <a:rPr lang="en-GB" i="1">
-                              <a:latin typeface="Cambria Math" panose="02040503050406030204" pitchFamily="18" charset="0"/>
-                              <a:ea typeface="Cambria Math" panose="02040503050406030204" pitchFamily="18" charset="0"/>
-                            </a:rPr>
-                          </m:ctrlPr>
-                        </m:sSubPr>
-                        <m:e>
-                          <m:r>
-                            <a:rPr lang="en-GB" i="1">
-                              <a:latin typeface="Cambria Math" panose="02040503050406030204" pitchFamily="18" charset="0"/>
-                              <a:ea typeface="Cambria Math" panose="02040503050406030204" pitchFamily="18" charset="0"/>
-                            </a:rPr>
-                            <m:t>𝑡</m:t>
-                          </m:r>
-                        </m:e>
-                        <m:sub>
-                          <m:r>
-                            <a:rPr lang="en-GB" i="1">
-                              <a:latin typeface="Cambria Math" panose="02040503050406030204" pitchFamily="18" charset="0"/>
-                              <a:ea typeface="Cambria Math" panose="02040503050406030204" pitchFamily="18" charset="0"/>
-                            </a:rPr>
-                            <m:t>𝑣</m:t>
-                          </m:r>
-                          <m:r>
-                            <a:rPr lang="en-GB" b="0" i="1" smtClean="0">
-                              <a:latin typeface="Cambria Math" panose="02040503050406030204" pitchFamily="18" charset="0"/>
-                              <a:ea typeface="Cambria Math" panose="02040503050406030204" pitchFamily="18" charset="0"/>
-                            </a:rPr>
-                            <m:t>2</m:t>
+                            <m:t>0</m:t>
                           </m:r>
                         </m:sub>
                       </m:sSub>
@@ -13466,8 +13416,8 @@
             </p:nvSpPr>
             <p:spPr>
               <a:xfrm>
-                <a:off x="11472720" y="10138063"/>
-                <a:ext cx="2290563" cy="369332"/>
+                <a:off x="11859582" y="10138063"/>
+                <a:ext cx="1587101" cy="369332"/>
               </a:xfrm>
               <a:prstGeom prst="rect">
                 <a:avLst/>
@@ -13515,9 +13465,9 @@
           <p:nvPr/>
         </p:nvCxnSpPr>
         <p:spPr>
-          <a:xfrm flipV="1">
-            <a:off x="12618002" y="9495200"/>
-            <a:ext cx="6479" cy="642863"/>
+          <a:xfrm flipH="1" flipV="1">
+            <a:off x="12624481" y="9495200"/>
+            <a:ext cx="0" cy="642863"/>
           </a:xfrm>
           <a:prstGeom prst="straightConnector1">
             <a:avLst/>
@@ -13692,7 +13642,7 @@
         <p:spPr>
           <a:xfrm flipV="1">
             <a:off x="9513095" y="10322729"/>
-            <a:ext cx="1959625" cy="3639"/>
+            <a:ext cx="2346487" cy="3639"/>
           </a:xfrm>
           <a:prstGeom prst="straightConnector1">
             <a:avLst/>
@@ -13719,8 +13669,8 @@
           </a:fontRef>
         </p:style>
       </p:cxnSp>
-      <mc:AlternateContent xmlns:mc="http://schemas.openxmlformats.org/markup-compatibility/2006">
-        <mc:Choice xmlns:a14="http://schemas.microsoft.com/office/drawing/2010/main" Requires="a14">
+      <mc:AlternateContent xmlns:mc="http://schemas.openxmlformats.org/markup-compatibility/2006" xmlns:a14="http://schemas.microsoft.com/office/drawing/2010/main">
+        <mc:Choice Requires="a14">
           <p:sp>
             <p:nvSpPr>
               <p:cNvPr id="202" name="TextBox 201">
@@ -13828,7 +13778,7 @@
             </p:txBody>
           </p:sp>
         </mc:Choice>
-        <mc:Fallback>
+        <mc:Fallback xmlns="">
           <p:sp>
             <p:nvSpPr>
               <p:cNvPr id="202" name="TextBox 201">
@@ -13976,7 +13926,7 @@
         </p:nvSpPr>
         <p:spPr>
           <a:xfrm>
-            <a:off x="3842104" y="2634058"/>
+            <a:off x="4563073" y="2634058"/>
             <a:ext cx="861675" cy="369332"/>
           </a:xfrm>
           <a:prstGeom prst="rect">
@@ -14021,8 +13971,8 @@
             </p:nvSpPr>
             <p:spPr>
               <a:xfrm>
-                <a:off x="5382413" y="2634058"/>
-                <a:ext cx="1433213" cy="369332"/>
+                <a:off x="6103382" y="2634058"/>
+                <a:ext cx="832344" cy="369332"/>
               </a:xfrm>
               <a:prstGeom prst="rect">
                 <a:avLst/>
@@ -14040,109 +13990,55 @@
               <a:lstStyle/>
               <a:p>
                 <a14:m>
-                  <m:oMath xmlns:m="http://schemas.openxmlformats.org/officeDocument/2006/math">
-                    <m:r>
-                      <a:rPr lang="en-GB" i="1" smtClean="0">
-                        <a:latin typeface="Cambria Math" panose="02040503050406030204" pitchFamily="18" charset="0"/>
-                        <a:cs typeface="Calibri" panose="020F0502020204030204" pitchFamily="34" charset="0"/>
-                      </a:rPr>
-                      <m:t>𝑡</m:t>
-                    </m:r>
-                    <m:r>
-                      <a:rPr lang="en-GB" i="1" smtClean="0">
-                        <a:latin typeface="Cambria Math" panose="02040503050406030204" pitchFamily="18" charset="0"/>
-                        <a:cs typeface="Calibri" panose="020F0502020204030204" pitchFamily="34" charset="0"/>
-                      </a:rPr>
-                      <m:t>=</m:t>
-                    </m:r>
-                    <m:sSub>
-                      <m:sSubPr>
-                        <m:ctrlPr>
-                          <a:rPr lang="en-GB" b="0" i="1" smtClean="0">
-                            <a:latin typeface="Cambria Math" panose="02040503050406030204" pitchFamily="18" charset="0"/>
-                            <a:cs typeface="Calibri" panose="020F0502020204030204" pitchFamily="34" charset="0"/>
-                          </a:rPr>
-                        </m:ctrlPr>
-                      </m:sSubPr>
-                      <m:e>
-                        <m:r>
-                          <a:rPr lang="en-GB" b="0" i="1" smtClean="0">
-                            <a:latin typeface="Cambria Math" panose="02040503050406030204" pitchFamily="18" charset="0"/>
-                            <a:cs typeface="Calibri" panose="020F0502020204030204" pitchFamily="34" charset="0"/>
-                          </a:rPr>
-                          <m:t>𝑡</m:t>
-                        </m:r>
-                      </m:e>
-                      <m:sub>
-                        <m:r>
-                          <a:rPr lang="en-GB" b="0" i="1" smtClean="0">
-                            <a:latin typeface="Cambria Math" panose="02040503050406030204" pitchFamily="18" charset="0"/>
-                            <a:cs typeface="Calibri" panose="020F0502020204030204" pitchFamily="34" charset="0"/>
-                          </a:rPr>
-                          <m:t>𝑣</m:t>
-                        </m:r>
-                      </m:sub>
-                    </m:sSub>
-                  </m:oMath>
-                </a14:m>
-                <a:r>
-                  <a:rPr lang="en-GB" dirty="0">
-                    <a:ea typeface="Cambria Math" panose="02040503050406030204" pitchFamily="18" charset="0"/>
-                  </a:rPr>
-                  <a:t> </a:t>
-                </a:r>
-                <a14:m>
-                  <m:oMath xmlns:m="http://schemas.openxmlformats.org/officeDocument/2006/math">
-                    <m:r>
-                      <a:rPr lang="en-GB">
-                        <a:latin typeface="Cambria Math" panose="02040503050406030204" pitchFamily="18" charset="0"/>
-                        <a:ea typeface="Cambria Math" panose="02040503050406030204" pitchFamily="18" charset="0"/>
-                      </a:rPr>
-                      <m:t>+</m:t>
-                    </m:r>
-                    <m:r>
-                      <a:rPr lang="en-GB" i="1" dirty="0">
-                        <a:latin typeface="Cambria Math" panose="02040503050406030204" pitchFamily="18" charset="0"/>
-                        <a:cs typeface="Calibri" panose="020F0502020204030204" pitchFamily="34" charset="0"/>
-                      </a:rPr>
-                      <m:t>∆</m:t>
-                    </m:r>
-                    <m:sSub>
-                      <m:sSubPr>
-                        <m:ctrlPr>
-                          <a:rPr lang="en-GB" i="1">
-                            <a:latin typeface="Cambria Math" panose="02040503050406030204" pitchFamily="18" charset="0"/>
-                            <a:ea typeface="Cambria Math" panose="02040503050406030204" pitchFamily="18" charset="0"/>
-                          </a:rPr>
-                        </m:ctrlPr>
-                      </m:sSubPr>
-                      <m:e>
-                        <m:r>
-                          <a:rPr lang="en-GB" i="1">
-                            <a:latin typeface="Cambria Math" panose="02040503050406030204" pitchFamily="18" charset="0"/>
-                            <a:ea typeface="Cambria Math" panose="02040503050406030204" pitchFamily="18" charset="0"/>
-                          </a:rPr>
-                          <m:t>𝑡</m:t>
-                        </m:r>
-                      </m:e>
-                      <m:sub>
-                        <m:r>
-                          <a:rPr lang="en-GB" i="1">
-                            <a:latin typeface="Cambria Math" panose="02040503050406030204" pitchFamily="18" charset="0"/>
-                            <a:ea typeface="Cambria Math" panose="02040503050406030204" pitchFamily="18" charset="0"/>
-                          </a:rPr>
-                          <m:t>𝑣</m:t>
-                        </m:r>
-                        <m:r>
-                          <a:rPr lang="en-GB" i="1">
-                            <a:latin typeface="Cambria Math" panose="02040503050406030204" pitchFamily="18" charset="0"/>
-                            <a:ea typeface="Cambria Math" panose="02040503050406030204" pitchFamily="18" charset="0"/>
-                          </a:rPr>
-                          <m:t>1</m:t>
-                        </m:r>
-                      </m:sub>
-                    </m:sSub>
-                  </m:oMath>
+                  <m:oMathPara xmlns:m="http://schemas.openxmlformats.org/officeDocument/2006/math">
+                    <m:oMathParaPr>
+                      <m:jc m:val="centerGroup"/>
+                    </m:oMathParaPr>
+                    <m:oMath xmlns:m="http://schemas.openxmlformats.org/officeDocument/2006/math">
+                      <m:r>
+                        <a:rPr lang="en-GB" i="1" smtClean="0">
+                          <a:latin typeface="Cambria Math" panose="02040503050406030204" pitchFamily="18" charset="0"/>
+                          <a:cs typeface="Calibri" panose="020F0502020204030204" pitchFamily="34" charset="0"/>
+                        </a:rPr>
+                        <m:t>𝑡</m:t>
+                      </m:r>
+                      <m:r>
+                        <a:rPr lang="en-GB" i="1" smtClean="0">
+                          <a:latin typeface="Cambria Math" panose="02040503050406030204" pitchFamily="18" charset="0"/>
+                          <a:cs typeface="Calibri" panose="020F0502020204030204" pitchFamily="34" charset="0"/>
+                        </a:rPr>
+                        <m:t>=</m:t>
+                      </m:r>
+                      <m:sSub>
+                        <m:sSubPr>
+                          <m:ctrlPr>
+                            <a:rPr lang="en-GB" b="0" i="1" smtClean="0">
+                              <a:latin typeface="Cambria Math" panose="02040503050406030204" pitchFamily="18" charset="0"/>
+                              <a:cs typeface="Calibri" panose="020F0502020204030204" pitchFamily="34" charset="0"/>
+                            </a:rPr>
+                          </m:ctrlPr>
+                        </m:sSubPr>
+                        <m:e>
+                          <m:r>
+                            <a:rPr lang="en-GB" b="0" i="1" smtClean="0">
+                              <a:latin typeface="Cambria Math" panose="02040503050406030204" pitchFamily="18" charset="0"/>
+                              <a:cs typeface="Calibri" panose="020F0502020204030204" pitchFamily="34" charset="0"/>
+                            </a:rPr>
+                            <m:t>𝑡</m:t>
+                          </m:r>
+                        </m:e>
+                        <m:sub>
+                          <m:r>
+                            <a:rPr lang="en-GB" b="0" i="1" smtClean="0">
+                              <a:latin typeface="Cambria Math" panose="02040503050406030204" pitchFamily="18" charset="0"/>
+                              <a:cs typeface="Calibri" panose="020F0502020204030204" pitchFamily="34" charset="0"/>
+                            </a:rPr>
+                            <m:t>𝑣</m:t>
+                          </m:r>
+                        </m:sub>
+                      </m:sSub>
+                    </m:oMath>
+                  </m:oMathPara>
                 </a14:m>
                 <a:endParaRPr lang="en-US" dirty="0"/>
               </a:p>
@@ -14166,8 +14062,8 @@
             </p:nvSpPr>
             <p:spPr>
               <a:xfrm>
-                <a:off x="5382413" y="2634058"/>
-                <a:ext cx="1433213" cy="369332"/>
+                <a:off x="6103382" y="2634058"/>
+                <a:ext cx="832344" cy="369332"/>
               </a:xfrm>
               <a:prstGeom prst="rect">
                 <a:avLst/>
@@ -14216,7 +14112,7 @@
         </p:nvCxnSpPr>
         <p:spPr>
           <a:xfrm>
-            <a:off x="4703779" y="2818724"/>
+            <a:off x="5424748" y="2818724"/>
             <a:ext cx="678634" cy="0"/>
           </a:xfrm>
           <a:prstGeom prst="straightConnector1">
@@ -14290,8 +14186,8 @@
           </a:fontRef>
         </p:style>
       </p:cxnSp>
-      <mc:AlternateContent xmlns:mc="http://schemas.openxmlformats.org/markup-compatibility/2006">
-        <mc:Choice xmlns:a14="http://schemas.microsoft.com/office/drawing/2010/main" Requires="a14">
+      <mc:AlternateContent xmlns:mc="http://schemas.openxmlformats.org/markup-compatibility/2006" xmlns:a14="http://schemas.microsoft.com/office/drawing/2010/main">
+        <mc:Choice Requires="a14">
           <p:sp>
             <p:nvSpPr>
               <p:cNvPr id="186" name="Rectangle 185">
@@ -14408,7 +14304,7 @@
             </p:txBody>
           </p:sp>
         </mc:Choice>
-        <mc:Fallback>
+        <mc:Fallback xmlns="">
           <p:sp>
             <p:nvSpPr>
               <p:cNvPr id="186" name="Rectangle 185">
@@ -14670,8 +14566,8 @@
           </a:p>
         </p:txBody>
       </p:sp>
-      <mc:AlternateContent xmlns:mc="http://schemas.openxmlformats.org/markup-compatibility/2006">
-        <mc:Choice xmlns:a14="http://schemas.microsoft.com/office/drawing/2010/main" Requires="a14">
+      <mc:AlternateContent xmlns:mc="http://schemas.openxmlformats.org/markup-compatibility/2006" xmlns:a14="http://schemas.microsoft.com/office/drawing/2010/main">
+        <mc:Choice Requires="a14">
           <p:sp>
             <p:nvSpPr>
               <p:cNvPr id="234" name="Rectangle 233">
@@ -14751,7 +14647,7 @@
             </p:txBody>
           </p:sp>
         </mc:Choice>
-        <mc:Fallback>
+        <mc:Fallback xmlns="">
           <p:sp>
             <p:nvSpPr>
               <p:cNvPr id="234" name="Rectangle 233">
@@ -14801,8 +14697,8 @@
           </p:sp>
         </mc:Fallback>
       </mc:AlternateContent>
-      <mc:AlternateContent xmlns:mc="http://schemas.openxmlformats.org/markup-compatibility/2006">
-        <mc:Choice xmlns:a14="http://schemas.microsoft.com/office/drawing/2010/main" Requires="a14">
+      <mc:AlternateContent xmlns:mc="http://schemas.openxmlformats.org/markup-compatibility/2006" xmlns:a14="http://schemas.microsoft.com/office/drawing/2010/main">
+        <mc:Choice Requires="a14">
           <p:sp>
             <p:nvSpPr>
               <p:cNvPr id="235" name="Rectangle 234">
@@ -14942,7 +14838,7 @@
             </p:txBody>
           </p:sp>
         </mc:Choice>
-        <mc:Fallback>
+        <mc:Fallback xmlns="">
           <p:sp>
             <p:nvSpPr>
               <p:cNvPr id="235" name="Rectangle 234">
@@ -15233,8 +15129,8 @@
         </p:nvCxnSpPr>
         <p:spPr>
           <a:xfrm>
-            <a:off x="13763283" y="10322729"/>
-            <a:ext cx="1328789" cy="0"/>
+            <a:off x="13446683" y="10322729"/>
+            <a:ext cx="1639132" cy="0"/>
           </a:xfrm>
           <a:prstGeom prst="line">
             <a:avLst/>
@@ -15353,8 +15249,8 @@
           </a:p>
         </p:txBody>
       </p:sp>
-      <mc:AlternateContent xmlns:mc="http://schemas.openxmlformats.org/markup-compatibility/2006">
-        <mc:Choice xmlns:a14="http://schemas.microsoft.com/office/drawing/2010/main" Requires="a14">
+      <mc:AlternateContent xmlns:mc="http://schemas.openxmlformats.org/markup-compatibility/2006" xmlns:a14="http://schemas.microsoft.com/office/drawing/2010/main">
+        <mc:Choice Requires="a14">
           <p:sp>
             <p:nvSpPr>
               <p:cNvPr id="268" name="TextBox 267">
@@ -15844,7 +15740,7 @@
             </p:txBody>
           </p:sp>
         </mc:Choice>
-        <mc:Fallback>
+        <mc:Fallback xmlns="">
           <p:sp>
             <p:nvSpPr>
               <p:cNvPr id="268" name="TextBox 267">
@@ -15914,8 +15810,8 @@
         </p:nvCxnSpPr>
         <p:spPr>
           <a:xfrm flipV="1">
-            <a:off x="6815626" y="2814150"/>
-            <a:ext cx="1911879" cy="0"/>
+            <a:off x="6935726" y="2814150"/>
+            <a:ext cx="1791779" cy="0"/>
           </a:xfrm>
           <a:prstGeom prst="straightConnector1">
             <a:avLst/>
@@ -15942,8 +15838,8 @@
           </a:fontRef>
         </p:style>
       </p:cxnSp>
-      <mc:AlternateContent xmlns:mc="http://schemas.openxmlformats.org/markup-compatibility/2006">
-        <mc:Choice xmlns:a14="http://schemas.microsoft.com/office/drawing/2010/main" Requires="a14">
+      <mc:AlternateContent xmlns:mc="http://schemas.openxmlformats.org/markup-compatibility/2006" xmlns:a14="http://schemas.microsoft.com/office/drawing/2010/main">
+        <mc:Choice Requires="a14">
           <p:sp>
             <p:nvSpPr>
               <p:cNvPr id="281" name="TextBox 280">
@@ -16055,7 +15951,7 @@
             </p:txBody>
           </p:sp>
         </mc:Choice>
-        <mc:Fallback>
+        <mc:Fallback xmlns="">
           <p:sp>
             <p:nvSpPr>
               <p:cNvPr id="281" name="TextBox 280">
@@ -16459,8 +16355,8 @@
           </a:fontRef>
         </p:style>
       </p:cxnSp>
-      <mc:AlternateContent xmlns:mc="http://schemas.openxmlformats.org/markup-compatibility/2006">
-        <mc:Choice xmlns:a14="http://schemas.microsoft.com/office/drawing/2010/main" Requires="a14">
+      <mc:AlternateContent xmlns:mc="http://schemas.openxmlformats.org/markup-compatibility/2006" xmlns:a14="http://schemas.microsoft.com/office/drawing/2010/main">
+        <mc:Choice Requires="a14">
           <p:sp>
             <p:nvSpPr>
               <p:cNvPr id="2" name="TextBox 1">
@@ -16875,7 +16771,7 @@
             </p:txBody>
           </p:sp>
         </mc:Choice>
-        <mc:Fallback>
+        <mc:Fallback xmlns="">
           <p:sp>
             <p:nvSpPr>
               <p:cNvPr id="2" name="TextBox 1">
@@ -16925,8 +16821,8 @@
           </p:sp>
         </mc:Fallback>
       </mc:AlternateContent>
-      <mc:AlternateContent xmlns:mc="http://schemas.openxmlformats.org/markup-compatibility/2006">
-        <mc:Choice xmlns:a14="http://schemas.microsoft.com/office/drawing/2010/main" Requires="a14">
+      <mc:AlternateContent xmlns:mc="http://schemas.openxmlformats.org/markup-compatibility/2006" xmlns:a14="http://schemas.microsoft.com/office/drawing/2010/main">
+        <mc:Choice Requires="a14">
           <p:sp>
             <p:nvSpPr>
               <p:cNvPr id="4" name="Rectangle 3">
@@ -17287,7 +17183,7 @@
             </p:txBody>
           </p:sp>
         </mc:Choice>
-        <mc:Fallback>
+        <mc:Fallback xmlns="">
           <p:sp>
             <p:nvSpPr>
               <p:cNvPr id="4" name="Rectangle 3">
@@ -17337,8 +17233,8 @@
           </p:sp>
         </mc:Fallback>
       </mc:AlternateContent>
-      <mc:AlternateContent xmlns:mc="http://schemas.openxmlformats.org/markup-compatibility/2006">
-        <mc:Choice xmlns:a14="http://schemas.microsoft.com/office/drawing/2010/main" Requires="a14">
+      <mc:AlternateContent xmlns:mc="http://schemas.openxmlformats.org/markup-compatibility/2006" xmlns:a14="http://schemas.microsoft.com/office/drawing/2010/main">
+        <mc:Choice Requires="a14">
           <p:sp>
             <p:nvSpPr>
               <p:cNvPr id="5" name="TextBox 4">
@@ -17809,7 +17705,7 @@
             </p:txBody>
           </p:sp>
         </mc:Choice>
-        <mc:Fallback>
+        <mc:Fallback xmlns="">
           <p:sp>
             <p:nvSpPr>
               <p:cNvPr id="5" name="TextBox 4">
@@ -17859,8 +17755,8 @@
           </p:sp>
         </mc:Fallback>
       </mc:AlternateContent>
-      <mc:AlternateContent xmlns:mc="http://schemas.openxmlformats.org/markup-compatibility/2006">
-        <mc:Choice xmlns:a14="http://schemas.microsoft.com/office/drawing/2010/main" Requires="a14">
+      <mc:AlternateContent xmlns:mc="http://schemas.openxmlformats.org/markup-compatibility/2006" xmlns:a14="http://schemas.microsoft.com/office/drawing/2010/main">
+        <mc:Choice Requires="a14">
           <p:sp>
             <p:nvSpPr>
               <p:cNvPr id="6" name="TextBox 5">
@@ -18211,7 +18107,7 @@
             </p:txBody>
           </p:sp>
         </mc:Choice>
-        <mc:Fallback>
+        <mc:Fallback xmlns="">
           <p:sp>
             <p:nvSpPr>
               <p:cNvPr id="6" name="TextBox 5">
@@ -18261,8 +18157,8 @@
           </p:sp>
         </mc:Fallback>
       </mc:AlternateContent>
-      <mc:AlternateContent xmlns:mc="http://schemas.openxmlformats.org/markup-compatibility/2006">
-        <mc:Choice xmlns:a14="http://schemas.microsoft.com/office/drawing/2010/main" Requires="a14">
+      <mc:AlternateContent xmlns:mc="http://schemas.openxmlformats.org/markup-compatibility/2006" xmlns:a14="http://schemas.microsoft.com/office/drawing/2010/main">
+        <mc:Choice Requires="a14">
           <p:sp>
             <p:nvSpPr>
               <p:cNvPr id="7" name="TextBox 6">
@@ -18419,7 +18315,7 @@
             </p:txBody>
           </p:sp>
         </mc:Choice>
-        <mc:Fallback>
+        <mc:Fallback xmlns="">
           <p:sp>
             <p:nvSpPr>
               <p:cNvPr id="7" name="TextBox 6">
@@ -18469,8 +18365,8 @@
           </p:sp>
         </mc:Fallback>
       </mc:AlternateContent>
-      <mc:AlternateContent xmlns:mc="http://schemas.openxmlformats.org/markup-compatibility/2006">
-        <mc:Choice xmlns:a14="http://schemas.microsoft.com/office/drawing/2010/main" Requires="a14">
+      <mc:AlternateContent xmlns:mc="http://schemas.openxmlformats.org/markup-compatibility/2006" xmlns:a14="http://schemas.microsoft.com/office/drawing/2010/main">
+        <mc:Choice Requires="a14">
           <p:sp>
             <p:nvSpPr>
               <p:cNvPr id="9" name="TextBox 8">
@@ -18861,7 +18757,7 @@
             </p:txBody>
           </p:sp>
         </mc:Choice>
-        <mc:Fallback>
+        <mc:Fallback xmlns="">
           <p:sp>
             <p:nvSpPr>
               <p:cNvPr id="9" name="TextBox 8">
@@ -18911,8 +18807,8 @@
           </p:sp>
         </mc:Fallback>
       </mc:AlternateContent>
-      <mc:AlternateContent xmlns:mc="http://schemas.openxmlformats.org/markup-compatibility/2006">
-        <mc:Choice xmlns:a14="http://schemas.microsoft.com/office/drawing/2010/main" Requires="a14">
+      <mc:AlternateContent xmlns:mc="http://schemas.openxmlformats.org/markup-compatibility/2006" xmlns:a14="http://schemas.microsoft.com/office/drawing/2010/main">
+        <mc:Choice Requires="a14">
           <p:sp>
             <p:nvSpPr>
               <p:cNvPr id="10" name="TextBox 9">
@@ -19060,7 +18956,7 @@
             </p:txBody>
           </p:sp>
         </mc:Choice>
-        <mc:Fallback>
+        <mc:Fallback xmlns="">
           <p:sp>
             <p:nvSpPr>
               <p:cNvPr id="10" name="TextBox 9">
@@ -19110,8 +19006,8 @@
           </p:sp>
         </mc:Fallback>
       </mc:AlternateContent>
-      <mc:AlternateContent xmlns:mc="http://schemas.openxmlformats.org/markup-compatibility/2006">
-        <mc:Choice xmlns:a14="http://schemas.microsoft.com/office/drawing/2010/main" Requires="a14">
+      <mc:AlternateContent xmlns:mc="http://schemas.openxmlformats.org/markup-compatibility/2006" xmlns:a14="http://schemas.microsoft.com/office/drawing/2010/main">
+        <mc:Choice Requires="a14">
           <p:sp>
             <p:nvSpPr>
               <p:cNvPr id="11" name="TextBox 10">
@@ -19221,7 +19117,7 @@
             </p:txBody>
           </p:sp>
         </mc:Choice>
-        <mc:Fallback>
+        <mc:Fallback xmlns="">
           <p:sp>
             <p:nvSpPr>
               <p:cNvPr id="11" name="TextBox 10">
@@ -19271,8 +19167,8 @@
           </p:sp>
         </mc:Fallback>
       </mc:AlternateContent>
-      <mc:AlternateContent xmlns:mc="http://schemas.openxmlformats.org/markup-compatibility/2006">
-        <mc:Choice xmlns:a14="http://schemas.microsoft.com/office/drawing/2010/main" Requires="a14">
+      <mc:AlternateContent xmlns:mc="http://schemas.openxmlformats.org/markup-compatibility/2006" xmlns:a14="http://schemas.microsoft.com/office/drawing/2010/main">
+        <mc:Choice Requires="a14">
           <p:sp>
             <p:nvSpPr>
               <p:cNvPr id="12" name="TextBox 11">
@@ -19434,7 +19330,7 @@
             </p:txBody>
           </p:sp>
         </mc:Choice>
-        <mc:Fallback>
+        <mc:Fallback xmlns="">
           <p:sp>
             <p:nvSpPr>
               <p:cNvPr id="12" name="TextBox 11">
@@ -19484,8 +19380,8 @@
           </p:sp>
         </mc:Fallback>
       </mc:AlternateContent>
-      <mc:AlternateContent xmlns:mc="http://schemas.openxmlformats.org/markup-compatibility/2006">
-        <mc:Choice xmlns:a14="http://schemas.microsoft.com/office/drawing/2010/main" Requires="a14">
+      <mc:AlternateContent xmlns:mc="http://schemas.openxmlformats.org/markup-compatibility/2006" xmlns:a14="http://schemas.microsoft.com/office/drawing/2010/main">
+        <mc:Choice Requires="a14">
           <p:sp>
             <p:nvSpPr>
               <p:cNvPr id="15" name="TextBox 14">
@@ -19678,7 +19574,7 @@
             </p:txBody>
           </p:sp>
         </mc:Choice>
-        <mc:Fallback>
+        <mc:Fallback xmlns="">
           <p:sp>
             <p:nvSpPr>
               <p:cNvPr id="15" name="TextBox 14">
@@ -19774,8 +19670,8 @@
           </a:fontRef>
         </p:style>
       </p:cxnSp>
-      <mc:AlternateContent xmlns:mc="http://schemas.openxmlformats.org/markup-compatibility/2006">
-        <mc:Choice xmlns:a14="http://schemas.microsoft.com/office/drawing/2010/main" Requires="a14">
+      <mc:AlternateContent xmlns:mc="http://schemas.openxmlformats.org/markup-compatibility/2006" xmlns:a14="http://schemas.microsoft.com/office/drawing/2010/main">
+        <mc:Choice Requires="a14">
           <p:sp>
             <p:nvSpPr>
               <p:cNvPr id="19" name="TextBox 18">
@@ -19937,7 +19833,7 @@
             </p:txBody>
           </p:sp>
         </mc:Choice>
-        <mc:Fallback>
+        <mc:Fallback xmlns="">
           <p:sp>
             <p:nvSpPr>
               <p:cNvPr id="19" name="TextBox 18">
@@ -19987,8 +19883,8 @@
           </p:sp>
         </mc:Fallback>
       </mc:AlternateContent>
-      <mc:AlternateContent xmlns:mc="http://schemas.openxmlformats.org/markup-compatibility/2006">
-        <mc:Choice xmlns:a14="http://schemas.microsoft.com/office/drawing/2010/main" Requires="a14">
+      <mc:AlternateContent xmlns:mc="http://schemas.openxmlformats.org/markup-compatibility/2006" xmlns:a14="http://schemas.microsoft.com/office/drawing/2010/main">
+        <mc:Choice Requires="a14">
           <p:sp>
             <p:nvSpPr>
               <p:cNvPr id="20" name="TextBox 19">
@@ -20343,7 +20239,7 @@
             </p:txBody>
           </p:sp>
         </mc:Choice>
-        <mc:Fallback>
+        <mc:Fallback xmlns="">
           <p:sp>
             <p:nvSpPr>
               <p:cNvPr id="20" name="TextBox 19">
@@ -20393,8 +20289,8 @@
           </p:sp>
         </mc:Fallback>
       </mc:AlternateContent>
-      <mc:AlternateContent xmlns:mc="http://schemas.openxmlformats.org/markup-compatibility/2006">
-        <mc:Choice xmlns:a14="http://schemas.microsoft.com/office/drawing/2010/main" Requires="a14">
+      <mc:AlternateContent xmlns:mc="http://schemas.openxmlformats.org/markup-compatibility/2006" xmlns:a14="http://schemas.microsoft.com/office/drawing/2010/main">
+        <mc:Choice Requires="a14">
           <p:sp>
             <p:nvSpPr>
               <p:cNvPr id="21" name="TextBox 20">
@@ -20573,7 +20469,7 @@
             </p:txBody>
           </p:sp>
         </mc:Choice>
-        <mc:Fallback>
+        <mc:Fallback xmlns="">
           <p:sp>
             <p:nvSpPr>
               <p:cNvPr id="21" name="TextBox 20">
@@ -20623,8 +20519,8 @@
           </p:sp>
         </mc:Fallback>
       </mc:AlternateContent>
-      <mc:AlternateContent xmlns:mc="http://schemas.openxmlformats.org/markup-compatibility/2006">
-        <mc:Choice xmlns:a14="http://schemas.microsoft.com/office/drawing/2010/main" Requires="a14">
+      <mc:AlternateContent xmlns:mc="http://schemas.openxmlformats.org/markup-compatibility/2006" xmlns:a14="http://schemas.microsoft.com/office/drawing/2010/main">
+        <mc:Choice Requires="a14">
           <p:sp>
             <p:nvSpPr>
               <p:cNvPr id="23" name="TextBox 22">
@@ -20777,7 +20673,7 @@
             </p:txBody>
           </p:sp>
         </mc:Choice>
-        <mc:Fallback>
+        <mc:Fallback xmlns="">
           <p:sp>
             <p:nvSpPr>
               <p:cNvPr id="23" name="TextBox 22">
@@ -20827,8 +20723,8 @@
           </p:sp>
         </mc:Fallback>
       </mc:AlternateContent>
-      <mc:AlternateContent xmlns:mc="http://schemas.openxmlformats.org/markup-compatibility/2006">
-        <mc:Choice xmlns:a14="http://schemas.microsoft.com/office/drawing/2010/main" Requires="a14">
+      <mc:AlternateContent xmlns:mc="http://schemas.openxmlformats.org/markup-compatibility/2006" xmlns:a14="http://schemas.microsoft.com/office/drawing/2010/main">
+        <mc:Choice Requires="a14">
           <p:sp>
             <p:nvSpPr>
               <p:cNvPr id="24" name="TextBox 23">
@@ -20958,7 +20854,7 @@
             </p:txBody>
           </p:sp>
         </mc:Choice>
-        <mc:Fallback>
+        <mc:Fallback xmlns="">
           <p:sp>
             <p:nvSpPr>
               <p:cNvPr id="24" name="TextBox 23">
@@ -21008,8 +20904,8 @@
           </p:sp>
         </mc:Fallback>
       </mc:AlternateContent>
-      <mc:AlternateContent xmlns:mc="http://schemas.openxmlformats.org/markup-compatibility/2006">
-        <mc:Choice xmlns:a14="http://schemas.microsoft.com/office/drawing/2010/main" Requires="a14">
+      <mc:AlternateContent xmlns:mc="http://schemas.openxmlformats.org/markup-compatibility/2006" xmlns:a14="http://schemas.microsoft.com/office/drawing/2010/main">
+        <mc:Choice Requires="a14">
           <p:sp>
             <p:nvSpPr>
               <p:cNvPr id="25" name="TextBox 24">
@@ -21104,7 +21000,7 @@
             </p:txBody>
           </p:sp>
         </mc:Choice>
-        <mc:Fallback>
+        <mc:Fallback xmlns="">
           <p:sp>
             <p:nvSpPr>
               <p:cNvPr id="25" name="TextBox 24">
@@ -21390,8 +21286,8 @@
           </a:fontRef>
         </p:style>
       </p:cxnSp>
-      <mc:AlternateContent xmlns:mc="http://schemas.openxmlformats.org/markup-compatibility/2006">
-        <mc:Choice xmlns:a14="http://schemas.microsoft.com/office/drawing/2010/main" Requires="a14">
+      <mc:AlternateContent xmlns:mc="http://schemas.openxmlformats.org/markup-compatibility/2006" xmlns:a14="http://schemas.microsoft.com/office/drawing/2010/main">
+        <mc:Choice Requires="a14">
           <p:sp>
             <p:nvSpPr>
               <p:cNvPr id="41" name="Rectangle 40">
@@ -21476,7 +21372,7 @@
             </p:txBody>
           </p:sp>
         </mc:Choice>
-        <mc:Fallback>
+        <mc:Fallback xmlns="">
           <p:sp>
             <p:nvSpPr>
               <p:cNvPr id="41" name="Rectangle 40">
@@ -21694,8 +21590,8 @@
           </a:fontRef>
         </p:style>
       </p:cxnSp>
-      <mc:AlternateContent xmlns:mc="http://schemas.openxmlformats.org/markup-compatibility/2006">
-        <mc:Choice xmlns:a14="http://schemas.microsoft.com/office/drawing/2010/main" Requires="a14">
+      <mc:AlternateContent xmlns:mc="http://schemas.openxmlformats.org/markup-compatibility/2006" xmlns:a14="http://schemas.microsoft.com/office/drawing/2010/main">
+        <mc:Choice Requires="a14">
           <p:sp>
             <p:nvSpPr>
               <p:cNvPr id="79" name="TextBox 78">
@@ -21809,7 +21705,7 @@
             </p:txBody>
           </p:sp>
         </mc:Choice>
-        <mc:Fallback>
+        <mc:Fallback xmlns="">
           <p:sp>
             <p:nvSpPr>
               <p:cNvPr id="79" name="TextBox 78">
@@ -22485,8 +22381,8 @@
           </a:fontRef>
         </p:style>
       </p:cxnSp>
-      <mc:AlternateContent xmlns:mc="http://schemas.openxmlformats.org/markup-compatibility/2006">
-        <mc:Choice xmlns:a14="http://schemas.microsoft.com/office/drawing/2010/main" Requires="a14">
+      <mc:AlternateContent xmlns:mc="http://schemas.openxmlformats.org/markup-compatibility/2006" xmlns:a14="http://schemas.microsoft.com/office/drawing/2010/main">
+        <mc:Choice Requires="a14">
           <p:sp>
             <p:nvSpPr>
               <p:cNvPr id="158" name="TextBox 157">
@@ -22541,7 +22437,7 @@
             </p:txBody>
           </p:sp>
         </mc:Choice>
-        <mc:Fallback>
+        <mc:Fallback xmlns="">
           <p:sp>
             <p:nvSpPr>
               <p:cNvPr id="158" name="TextBox 157">
@@ -22897,8 +22793,8 @@
           </a:p>
         </p:txBody>
       </p:sp>
-      <mc:AlternateContent xmlns:mc="http://schemas.openxmlformats.org/markup-compatibility/2006">
-        <mc:Choice xmlns:a14="http://schemas.microsoft.com/office/drawing/2010/main" Requires="a14">
+      <mc:AlternateContent xmlns:mc="http://schemas.openxmlformats.org/markup-compatibility/2006" xmlns:a14="http://schemas.microsoft.com/office/drawing/2010/main">
+        <mc:Choice Requires="a14">
           <p:sp>
             <p:nvSpPr>
               <p:cNvPr id="201" name="TextBox 200">
@@ -23199,7 +23095,7 @@
             </p:txBody>
           </p:sp>
         </mc:Choice>
-        <mc:Fallback>
+        <mc:Fallback xmlns="">
           <p:sp>
             <p:nvSpPr>
               <p:cNvPr id="201" name="TextBox 200">
@@ -23294,8 +23190,8 @@
           </a:fontRef>
         </p:style>
       </p:cxnSp>
-      <mc:AlternateContent xmlns:mc="http://schemas.openxmlformats.org/markup-compatibility/2006">
-        <mc:Choice xmlns:a14="http://schemas.microsoft.com/office/drawing/2010/main" Requires="a14">
+      <mc:AlternateContent xmlns:mc="http://schemas.openxmlformats.org/markup-compatibility/2006" xmlns:a14="http://schemas.microsoft.com/office/drawing/2010/main">
+        <mc:Choice Requires="a14">
           <p:sp>
             <p:nvSpPr>
               <p:cNvPr id="204" name="Rectangle 203">
@@ -23414,7 +23310,7 @@
             </p:txBody>
           </p:sp>
         </mc:Choice>
-        <mc:Fallback>
+        <mc:Fallback xmlns="">
           <p:sp>
             <p:nvSpPr>
               <p:cNvPr id="204" name="Rectangle 203">
@@ -23509,8 +23405,8 @@
           </a:fontRef>
         </p:style>
       </p:cxnSp>
-      <mc:AlternateContent xmlns:mc="http://schemas.openxmlformats.org/markup-compatibility/2006">
-        <mc:Choice xmlns:a14="http://schemas.microsoft.com/office/drawing/2010/main" Requires="a14">
+      <mc:AlternateContent xmlns:mc="http://schemas.openxmlformats.org/markup-compatibility/2006" xmlns:a14="http://schemas.microsoft.com/office/drawing/2010/main">
+        <mc:Choice Requires="a14">
           <p:sp>
             <p:nvSpPr>
               <p:cNvPr id="208" name="TextBox 207">
@@ -23852,7 +23748,7 @@
             </p:txBody>
           </p:sp>
         </mc:Choice>
-        <mc:Fallback>
+        <mc:Fallback xmlns="">
           <p:sp>
             <p:nvSpPr>
               <p:cNvPr id="208" name="TextBox 207">
@@ -23948,8 +23844,8 @@
           </a:fontRef>
         </p:style>
       </p:cxnSp>
-      <mc:AlternateContent xmlns:mc="http://schemas.openxmlformats.org/markup-compatibility/2006">
-        <mc:Choice xmlns:a14="http://schemas.microsoft.com/office/drawing/2010/main" Requires="a14">
+      <mc:AlternateContent xmlns:mc="http://schemas.openxmlformats.org/markup-compatibility/2006" xmlns:a14="http://schemas.microsoft.com/office/drawing/2010/main">
+        <mc:Choice Requires="a14">
           <p:sp>
             <p:nvSpPr>
               <p:cNvPr id="216" name="TextBox 215">
@@ -24004,7 +23900,7 @@
             </p:txBody>
           </p:sp>
         </mc:Choice>
-        <mc:Fallback>
+        <mc:Fallback xmlns="">
           <p:sp>
             <p:nvSpPr>
               <p:cNvPr id="216" name="TextBox 215">

--- a/figures/Powerpoint/DesginFlowcharts.pptx
+++ b/figures/Powerpoint/DesginFlowcharts.pptx
@@ -246,7 +246,7 @@
           <a:p>
             <a:fld id="{7854B9CE-4D77-C740-9A68-E4BD7A7A0860}" type="datetimeFigureOut">
               <a:rPr lang="en-GB" smtClean="0"/>
-              <a:t>31/05/2019</a:t>
+              <a:t>04/06/2019</a:t>
             </a:fld>
             <a:endParaRPr lang="en-GB"/>
           </a:p>
@@ -416,7 +416,7 @@
           <a:p>
             <a:fld id="{7854B9CE-4D77-C740-9A68-E4BD7A7A0860}" type="datetimeFigureOut">
               <a:rPr lang="en-GB" smtClean="0"/>
-              <a:t>31/05/2019</a:t>
+              <a:t>04/06/2019</a:t>
             </a:fld>
             <a:endParaRPr lang="en-GB"/>
           </a:p>
@@ -596,7 +596,7 @@
           <a:p>
             <a:fld id="{7854B9CE-4D77-C740-9A68-E4BD7A7A0860}" type="datetimeFigureOut">
               <a:rPr lang="en-GB" smtClean="0"/>
-              <a:t>31/05/2019</a:t>
+              <a:t>04/06/2019</a:t>
             </a:fld>
             <a:endParaRPr lang="en-GB"/>
           </a:p>
@@ -766,7 +766,7 @@
           <a:p>
             <a:fld id="{7854B9CE-4D77-C740-9A68-E4BD7A7A0860}" type="datetimeFigureOut">
               <a:rPr lang="en-GB" smtClean="0"/>
-              <a:t>31/05/2019</a:t>
+              <a:t>04/06/2019</a:t>
             </a:fld>
             <a:endParaRPr lang="en-GB"/>
           </a:p>
@@ -1010,7 +1010,7 @@
           <a:p>
             <a:fld id="{7854B9CE-4D77-C740-9A68-E4BD7A7A0860}" type="datetimeFigureOut">
               <a:rPr lang="en-GB" smtClean="0"/>
-              <a:t>31/05/2019</a:t>
+              <a:t>04/06/2019</a:t>
             </a:fld>
             <a:endParaRPr lang="en-GB"/>
           </a:p>
@@ -1242,7 +1242,7 @@
           <a:p>
             <a:fld id="{7854B9CE-4D77-C740-9A68-E4BD7A7A0860}" type="datetimeFigureOut">
               <a:rPr lang="en-GB" smtClean="0"/>
-              <a:t>31/05/2019</a:t>
+              <a:t>04/06/2019</a:t>
             </a:fld>
             <a:endParaRPr lang="en-GB"/>
           </a:p>
@@ -1609,7 +1609,7 @@
           <a:p>
             <a:fld id="{7854B9CE-4D77-C740-9A68-E4BD7A7A0860}" type="datetimeFigureOut">
               <a:rPr lang="en-GB" smtClean="0"/>
-              <a:t>31/05/2019</a:t>
+              <a:t>04/06/2019</a:t>
             </a:fld>
             <a:endParaRPr lang="en-GB"/>
           </a:p>
@@ -1727,7 +1727,7 @@
           <a:p>
             <a:fld id="{7854B9CE-4D77-C740-9A68-E4BD7A7A0860}" type="datetimeFigureOut">
               <a:rPr lang="en-GB" smtClean="0"/>
-              <a:t>31/05/2019</a:t>
+              <a:t>04/06/2019</a:t>
             </a:fld>
             <a:endParaRPr lang="en-GB"/>
           </a:p>
@@ -1822,7 +1822,7 @@
           <a:p>
             <a:fld id="{7854B9CE-4D77-C740-9A68-E4BD7A7A0860}" type="datetimeFigureOut">
               <a:rPr lang="en-GB" smtClean="0"/>
-              <a:t>31/05/2019</a:t>
+              <a:t>04/06/2019</a:t>
             </a:fld>
             <a:endParaRPr lang="en-GB"/>
           </a:p>
@@ -2099,7 +2099,7 @@
           <a:p>
             <a:fld id="{7854B9CE-4D77-C740-9A68-E4BD7A7A0860}" type="datetimeFigureOut">
               <a:rPr lang="en-GB" smtClean="0"/>
-              <a:t>31/05/2019</a:t>
+              <a:t>04/06/2019</a:t>
             </a:fld>
             <a:endParaRPr lang="en-GB"/>
           </a:p>
@@ -2356,7 +2356,7 @@
           <a:p>
             <a:fld id="{7854B9CE-4D77-C740-9A68-E4BD7A7A0860}" type="datetimeFigureOut">
               <a:rPr lang="en-GB" smtClean="0"/>
-              <a:t>31/05/2019</a:t>
+              <a:t>04/06/2019</a:t>
             </a:fld>
             <a:endParaRPr lang="en-GB"/>
           </a:p>
@@ -2569,7 +2569,7 @@
           <a:p>
             <a:fld id="{7854B9CE-4D77-C740-9A68-E4BD7A7A0860}" type="datetimeFigureOut">
               <a:rPr lang="en-GB" smtClean="0"/>
-              <a:t>31/05/2019</a:t>
+              <a:t>04/06/2019</a:t>
             </a:fld>
             <a:endParaRPr lang="en-GB"/>
           </a:p>
@@ -6901,8 +6901,8 @@
           </a:fontRef>
         </p:style>
       </p:cxnSp>
-      <mc:AlternateContent xmlns:mc="http://schemas.openxmlformats.org/markup-compatibility/2006" xmlns:a14="http://schemas.microsoft.com/office/drawing/2010/main">
-        <mc:Choice Requires="a14">
+      <mc:AlternateContent xmlns:mc="http://schemas.openxmlformats.org/markup-compatibility/2006">
+        <mc:Choice xmlns:a14="http://schemas.microsoft.com/office/drawing/2010/main" Requires="a14">
           <p:sp>
             <p:nvSpPr>
               <p:cNvPr id="68" name="TextBox 67">
@@ -6956,7 +6956,7 @@
                             <a:rPr lang="en-GB" b="0" i="1" smtClean="0">
                               <a:latin typeface="Cambria Math" panose="02040503050406030204" pitchFamily="18" charset="0"/>
                             </a:rPr>
-                            <m:t>𝐾</m:t>
+                            <m:t>𝐶</m:t>
                           </m:r>
                         </m:e>
                         <m:sub>
@@ -6991,7 +6991,7 @@
                             <a:rPr lang="en-GB" b="0" i="0" smtClean="0">
                               <a:latin typeface="Cambria Math" panose="02040503050406030204" pitchFamily="18" charset="0"/>
                             </a:rPr>
-                            <m:t>K</m:t>
+                            <m:t>C</m:t>
                           </m:r>
                         </m:e>
                         <m:sub>
@@ -7017,7 +7017,7 @@
             </p:txBody>
           </p:sp>
         </mc:Choice>
-        <mc:Fallback xmlns="">
+        <mc:Fallback>
           <p:sp>
             <p:nvSpPr>
               <p:cNvPr id="68" name="TextBox 67">
@@ -7240,8 +7240,8 @@
           </a:p>
         </p:txBody>
       </p:sp>
-      <mc:AlternateContent xmlns:mc="http://schemas.openxmlformats.org/markup-compatibility/2006" xmlns:a14="http://schemas.microsoft.com/office/drawing/2010/main">
-        <mc:Choice Requires="a14">
+      <mc:AlternateContent xmlns:mc="http://schemas.openxmlformats.org/markup-compatibility/2006">
+        <mc:Choice xmlns:a14="http://schemas.microsoft.com/office/drawing/2010/main" Requires="a14">
           <p:sp>
             <p:nvSpPr>
               <p:cNvPr id="86" name="TextBox 85">
@@ -7257,7 +7257,7 @@
             <p:spPr>
               <a:xfrm>
                 <a:off x="7853636" y="26066342"/>
-                <a:ext cx="2018483" cy="386678"/>
+                <a:ext cx="2018483" cy="378245"/>
               </a:xfrm>
               <a:prstGeom prst="rect">
                 <a:avLst/>
@@ -7290,7 +7290,7 @@
                           <a:rPr lang="en-GB" b="0" i="1" smtClean="0">
                             <a:latin typeface="Cambria Math" panose="02040503050406030204" pitchFamily="18" charset="0"/>
                           </a:rPr>
-                          <m:t>𝐾</m:t>
+                          <m:t>𝐶</m:t>
                         </m:r>
                       </m:e>
                       <m:sup>
@@ -7325,7 +7325,7 @@
                           <a:rPr lang="en-GB" b="0" i="0" smtClean="0">
                             <a:latin typeface="Cambria Math" panose="02040503050406030204" pitchFamily="18" charset="0"/>
                           </a:rPr>
-                          <m:t>K</m:t>
+                          <m:t>C</m:t>
                         </m:r>
                       </m:e>
                       <m:sub>
@@ -7353,7 +7353,7 @@
             </p:txBody>
           </p:sp>
         </mc:Choice>
-        <mc:Fallback xmlns="">
+        <mc:Fallback>
           <p:sp>
             <p:nvSpPr>
               <p:cNvPr id="86" name="TextBox 85">
@@ -7371,7 +7371,7 @@
             <p:spPr>
               <a:xfrm>
                 <a:off x="7853636" y="26066342"/>
-                <a:ext cx="2018483" cy="386678"/>
+                <a:ext cx="2018483" cy="378245"/>
               </a:xfrm>
               <a:prstGeom prst="rect">
                 <a:avLst/>
@@ -7444,8 +7444,8 @@
           </a:p>
         </p:txBody>
       </p:sp>
-      <mc:AlternateContent xmlns:mc="http://schemas.openxmlformats.org/markup-compatibility/2006" xmlns:a14="http://schemas.microsoft.com/office/drawing/2010/main">
-        <mc:Choice Requires="a14">
+      <mc:AlternateContent xmlns:mc="http://schemas.openxmlformats.org/markup-compatibility/2006">
+        <mc:Choice xmlns:a14="http://schemas.microsoft.com/office/drawing/2010/main" Requires="a14">
           <p:sp>
             <p:nvSpPr>
               <p:cNvPr id="91" name="TextBox 90">
@@ -7572,10 +7572,10 @@
                       </m:sSubPr>
                       <m:e>
                         <m:r>
-                          <a:rPr lang="en-GB" i="1" smtClean="0">
-                            <a:latin typeface="Cambria Math" panose="02040503050406030204" pitchFamily="18" charset="0"/>
-                          </a:rPr>
-                          <m:t>𝑣</m:t>
+                          <a:rPr lang="en-GB" b="0" i="1" smtClean="0">
+                            <a:latin typeface="Cambria Math" panose="02040503050406030204" pitchFamily="18" charset="0"/>
+                          </a:rPr>
+                          <m:t>𝑐</m:t>
                         </m:r>
                       </m:e>
                       <m:sub>
@@ -7751,7 +7751,7 @@
             </p:txBody>
           </p:sp>
         </mc:Choice>
-        <mc:Fallback xmlns="">
+        <mc:Fallback>
           <p:sp>
             <p:nvSpPr>
               <p:cNvPr id="91" name="TextBox 90">
@@ -7844,8 +7844,8 @@
           </a:p>
         </p:txBody>
       </p:sp>
-      <mc:AlternateContent xmlns:mc="http://schemas.openxmlformats.org/markup-compatibility/2006" xmlns:a14="http://schemas.microsoft.com/office/drawing/2010/main">
-        <mc:Choice Requires="a14">
+      <mc:AlternateContent xmlns:mc="http://schemas.openxmlformats.org/markup-compatibility/2006">
+        <mc:Choice xmlns:a14="http://schemas.microsoft.com/office/drawing/2010/main" Requires="a14">
           <p:sp>
             <p:nvSpPr>
               <p:cNvPr id="133" name="TextBox 132">
@@ -8069,7 +8069,7 @@
                                   <a:ea typeface="Cambria Math" panose="02040503050406030204" pitchFamily="18" charset="0"/>
                                   <a:cs typeface="Calibri" panose="020F0502020204030204" pitchFamily="34" charset="0"/>
                                 </a:rPr>
-                                <m:t>𝐾</m:t>
+                                <m:t>𝐶</m:t>
                               </m:r>
                             </m:e>
                             <m:sub>
@@ -8124,7 +8124,7 @@
                               <a:latin typeface="Cambria Math" panose="02040503050406030204" pitchFamily="18" charset="0"/>
                               <a:cs typeface="Calibri" panose="020F0502020204030204" pitchFamily="34" charset="0"/>
                             </a:rPr>
-                            <m:t>𝐾</m:t>
+                            <m:t>𝐶</m:t>
                           </m:r>
                         </m:e>
                         <m:sup>
@@ -8311,12 +8311,12 @@
                             </m:sSubPr>
                             <m:e>
                               <m:r>
-                                <a:rPr lang="en-GB" i="1">
+                                <a:rPr lang="en-GB" b="0" i="1" smtClean="0">
                                   <a:latin typeface="Cambria Math" panose="02040503050406030204" pitchFamily="18" charset="0"/>
                                   <a:ea typeface="Cambria Math" panose="02040503050406030204" pitchFamily="18" charset="0"/>
                                   <a:cs typeface="Calibri" panose="020F0502020204030204" pitchFamily="34" charset="0"/>
                                 </a:rPr>
-                                <m:t>𝐾</m:t>
+                                <m:t>𝐶</m:t>
                               </m:r>
                             </m:e>
                             <m:sub>
@@ -8351,7 +8351,7 @@
             </p:txBody>
           </p:sp>
         </mc:Choice>
-        <mc:Fallback xmlns="">
+        <mc:Fallback>
           <p:sp>
             <p:nvSpPr>
               <p:cNvPr id="133" name="TextBox 132">
@@ -8422,7 +8422,7 @@
         <p:spPr>
           <a:xfrm flipV="1">
             <a:off x="9872119" y="23213996"/>
-            <a:ext cx="4923597" cy="3045685"/>
+            <a:ext cx="4923597" cy="3041469"/>
           </a:xfrm>
           <a:prstGeom prst="bentConnector2">
             <a:avLst/>
@@ -8672,8 +8672,8 @@
           </a:fontRef>
         </p:style>
       </p:cxnSp>
-      <mc:AlternateContent xmlns:mc="http://schemas.openxmlformats.org/markup-compatibility/2006">
-        <mc:Choice xmlns:a14="http://schemas.microsoft.com/office/drawing/2010/main" Requires="a14">
+      <mc:AlternateContent xmlns:mc="http://schemas.openxmlformats.org/markup-compatibility/2006" xmlns:a14="http://schemas.microsoft.com/office/drawing/2010/main">
+        <mc:Choice Requires="a14">
           <p:sp>
             <p:nvSpPr>
               <p:cNvPr id="172" name="Rectangle 171">
@@ -8816,7 +8816,7 @@
             </p:txBody>
           </p:sp>
         </mc:Choice>
-        <mc:Fallback>
+        <mc:Fallback xmlns="">
           <p:sp>
             <p:nvSpPr>
               <p:cNvPr id="172" name="Rectangle 171">
@@ -8910,8 +8910,8 @@
           </a:fontRef>
         </p:style>
       </p:cxnSp>
-      <mc:AlternateContent xmlns:mc="http://schemas.openxmlformats.org/markup-compatibility/2006" xmlns:a14="http://schemas.microsoft.com/office/drawing/2010/main">
-        <mc:Choice Requires="a14">
+      <mc:AlternateContent xmlns:mc="http://schemas.openxmlformats.org/markup-compatibility/2006">
+        <mc:Choice xmlns:a14="http://schemas.microsoft.com/office/drawing/2010/main" Requires="a14">
           <p:sp>
             <p:nvSpPr>
               <p:cNvPr id="184" name="Rectangle 183">
@@ -8966,7 +8966,7 @@
                           <a:rPr lang="en-GB" b="0" i="1" smtClean="0">
                             <a:latin typeface="Cambria Math" panose="02040503050406030204" pitchFamily="18" charset="0"/>
                           </a:rPr>
-                          <m:t>𝑣</m:t>
+                          <m:t>𝑐</m:t>
                         </m:r>
                       </m:e>
                       <m:sub>
@@ -8991,7 +8991,7 @@
             </p:txBody>
           </p:sp>
         </mc:Choice>
-        <mc:Fallback xmlns="">
+        <mc:Fallback>
           <p:sp>
             <p:nvSpPr>
               <p:cNvPr id="184" name="Rectangle 183">
@@ -9189,8 +9189,8 @@
         </p:nvCxnSpPr>
         <p:spPr>
           <a:xfrm rot="16200000" flipH="1">
-            <a:off x="8902103" y="26413794"/>
-            <a:ext cx="1156420" cy="1234871"/>
+            <a:off x="8897887" y="26409577"/>
+            <a:ext cx="1164853" cy="1234871"/>
           </a:xfrm>
           <a:prstGeom prst="bentConnector2">
             <a:avLst/>
@@ -9217,8 +9217,8 @@
           </a:fontRef>
         </p:style>
       </p:cxnSp>
-      <mc:AlternateContent xmlns:mc="http://schemas.openxmlformats.org/markup-compatibility/2006">
-        <mc:Choice xmlns:a14="http://schemas.microsoft.com/office/drawing/2010/main" Requires="a14">
+      <mc:AlternateContent xmlns:mc="http://schemas.openxmlformats.org/markup-compatibility/2006" xmlns:a14="http://schemas.microsoft.com/office/drawing/2010/main">
+        <mc:Choice Requires="a14">
           <p:sp>
             <p:nvSpPr>
               <p:cNvPr id="155" name="Rectangle 154">
@@ -9366,7 +9366,7 @@
             </p:txBody>
           </p:sp>
         </mc:Choice>
-        <mc:Fallback>
+        <mc:Fallback xmlns="">
           <p:sp>
             <p:nvSpPr>
               <p:cNvPr id="155" name="Rectangle 154">
@@ -9728,8 +9728,8 @@
           </a:p>
         </p:txBody>
       </p:sp>
-      <mc:AlternateContent xmlns:mc="http://schemas.openxmlformats.org/markup-compatibility/2006">
-        <mc:Choice xmlns:a14="http://schemas.microsoft.com/office/drawing/2010/main" Requires="a14">
+      <mc:AlternateContent xmlns:mc="http://schemas.openxmlformats.org/markup-compatibility/2006" xmlns:a14="http://schemas.microsoft.com/office/drawing/2010/main">
+        <mc:Choice Requires="a14">
           <p:sp>
             <p:nvSpPr>
               <p:cNvPr id="204" name="Rectangle 203">
@@ -9826,7 +9826,7 @@
             </p:txBody>
           </p:sp>
         </mc:Choice>
-        <mc:Fallback>
+        <mc:Fallback xmlns="">
           <p:sp>
             <p:nvSpPr>
               <p:cNvPr id="204" name="Rectangle 203">
@@ -10136,8 +10136,8 @@
           </p:sp>
         </mc:Fallback>
       </mc:AlternateContent>
-      <mc:AlternateContent xmlns:mc="http://schemas.openxmlformats.org/markup-compatibility/2006">
-        <mc:Choice xmlns:a14="http://schemas.microsoft.com/office/drawing/2010/main" Requires="a14">
+      <mc:AlternateContent xmlns:mc="http://schemas.openxmlformats.org/markup-compatibility/2006" xmlns:a14="http://schemas.microsoft.com/office/drawing/2010/main">
+        <mc:Choice Requires="a14">
           <p:sp>
             <p:nvSpPr>
               <p:cNvPr id="219" name="Rectangle 218">
@@ -10277,7 +10277,7 @@
             </p:txBody>
           </p:sp>
         </mc:Choice>
-        <mc:Fallback>
+        <mc:Fallback xmlns="">
           <p:sp>
             <p:nvSpPr>
               <p:cNvPr id="219" name="Rectangle 218">
@@ -10594,8 +10594,8 @@
           </a:fontRef>
         </p:style>
       </p:cxnSp>
-      <mc:AlternateContent xmlns:mc="http://schemas.openxmlformats.org/markup-compatibility/2006">
-        <mc:Choice xmlns:a14="http://schemas.microsoft.com/office/drawing/2010/main" Requires="a14">
+      <mc:AlternateContent xmlns:mc="http://schemas.openxmlformats.org/markup-compatibility/2006" xmlns:a14="http://schemas.microsoft.com/office/drawing/2010/main">
+        <mc:Choice Requires="a14">
           <p:sp>
             <p:nvSpPr>
               <p:cNvPr id="233" name="Rectangle 232">
@@ -10685,7 +10685,7 @@
             </p:txBody>
           </p:sp>
         </mc:Choice>
-        <mc:Fallback>
+        <mc:Fallback xmlns="">
           <p:sp>
             <p:nvSpPr>
               <p:cNvPr id="233" name="Rectangle 232">
@@ -10826,8 +10826,8 @@
           </a:fontRef>
         </p:style>
       </p:cxnSp>
-      <mc:AlternateContent xmlns:mc="http://schemas.openxmlformats.org/markup-compatibility/2006" xmlns:a14="http://schemas.microsoft.com/office/drawing/2010/main">
-        <mc:Choice Requires="a14">
+      <mc:AlternateContent xmlns:mc="http://schemas.openxmlformats.org/markup-compatibility/2006">
+        <mc:Choice xmlns:a14="http://schemas.microsoft.com/office/drawing/2010/main" Requires="a14">
           <p:sp>
             <p:nvSpPr>
               <p:cNvPr id="252" name="Rectangle 251">
@@ -10882,7 +10882,7 @@
                           <a:rPr lang="en-GB" b="0" i="1" smtClean="0">
                             <a:latin typeface="Cambria Math" panose="02040503050406030204" pitchFamily="18" charset="0"/>
                           </a:rPr>
-                          <m:t>𝑣</m:t>
+                          <m:t>𝑐</m:t>
                         </m:r>
                       </m:e>
                       <m:sub>
@@ -10907,7 +10907,7 @@
             </p:txBody>
           </p:sp>
         </mc:Choice>
-        <mc:Fallback xmlns="">
+        <mc:Fallback>
           <p:sp>
             <p:nvSpPr>
               <p:cNvPr id="252" name="Rectangle 251">
@@ -10957,8 +10957,8 @@
           </p:sp>
         </mc:Fallback>
       </mc:AlternateContent>
-      <mc:AlternateContent xmlns:mc="http://schemas.openxmlformats.org/markup-compatibility/2006">
-        <mc:Choice xmlns:a14="http://schemas.microsoft.com/office/drawing/2010/main" Requires="a14">
+      <mc:AlternateContent xmlns:mc="http://schemas.openxmlformats.org/markup-compatibility/2006" xmlns:a14="http://schemas.microsoft.com/office/drawing/2010/main">
+        <mc:Choice Requires="a14">
           <p:sp>
             <p:nvSpPr>
               <p:cNvPr id="253" name="Rectangle 252">
@@ -11098,7 +11098,7 @@
             </p:txBody>
           </p:sp>
         </mc:Choice>
-        <mc:Fallback>
+        <mc:Fallback xmlns="">
           <p:sp>
             <p:nvSpPr>
               <p:cNvPr id="253" name="Rectangle 252">
@@ -11849,8 +11849,8 @@
           </a:fontRef>
         </p:style>
       </p:cxnSp>
-      <mc:AlternateContent xmlns:mc="http://schemas.openxmlformats.org/markup-compatibility/2006" xmlns:a14="http://schemas.microsoft.com/office/drawing/2010/main">
-        <mc:Choice Requires="a14">
+      <mc:AlternateContent xmlns:mc="http://schemas.openxmlformats.org/markup-compatibility/2006">
+        <mc:Choice xmlns:a14="http://schemas.microsoft.com/office/drawing/2010/main" Requires="a14">
           <p:sp>
             <p:nvSpPr>
               <p:cNvPr id="169" name="TextBox 168">
@@ -11955,7 +11955,7 @@
                     <a:latin typeface="Calibri" panose="020F0502020204030204" pitchFamily="34" charset="0"/>
                     <a:cs typeface="Calibri" panose="020F0502020204030204" pitchFamily="34" charset="0"/>
                   </a:rPr>
-                  <a:t>identifier verifiably included in at least 50%P lists </a:t>
+                  <a:t>identifier verifiably included in at least P/2 lists </a:t>
                 </a:r>
                 <a14:m>
                   <m:oMath xmlns:m="http://schemas.openxmlformats.org/officeDocument/2006/math">
@@ -12022,10 +12022,10 @@
                       </m:sSubPr>
                       <m:e>
                         <m:r>
-                          <a:rPr lang="en-GB" i="1">
-                            <a:latin typeface="Cambria Math" panose="02040503050406030204" pitchFamily="18" charset="0"/>
-                          </a:rPr>
-                          <m:t>𝑣</m:t>
+                          <a:rPr lang="en-GB" b="0" i="1" smtClean="0">
+                            <a:latin typeface="Cambria Math" panose="02040503050406030204" pitchFamily="18" charset="0"/>
+                          </a:rPr>
+                          <m:t>𝑐</m:t>
                         </m:r>
                       </m:e>
                       <m:sub>
@@ -12220,7 +12220,7 @@
                           <a:rPr lang="en-GB" b="0" i="1" smtClean="0">
                             <a:latin typeface="Cambria Math" panose="02040503050406030204" pitchFamily="18" charset="0"/>
                           </a:rPr>
-                          <m:t>𝑣</m:t>
+                          <m:t>𝑐</m:t>
                         </m:r>
                       </m:e>
                       <m:sub>
@@ -12586,7 +12586,7 @@
             </p:txBody>
           </p:sp>
         </mc:Choice>
-        <mc:Fallback xmlns="">
+        <mc:Fallback>
           <p:sp>
             <p:nvSpPr>
               <p:cNvPr id="169" name="TextBox 168">
@@ -12636,8 +12636,8 @@
           </p:sp>
         </mc:Fallback>
       </mc:AlternateContent>
-      <mc:AlternateContent xmlns:mc="http://schemas.openxmlformats.org/markup-compatibility/2006" xmlns:a14="http://schemas.microsoft.com/office/drawing/2010/main">
-        <mc:Choice Requires="a14">
+      <mc:AlternateContent xmlns:mc="http://schemas.openxmlformats.org/markup-compatibility/2006">
+        <mc:Choice xmlns:a14="http://schemas.microsoft.com/office/drawing/2010/main" Requires="a14">
           <p:sp>
             <p:nvSpPr>
               <p:cNvPr id="170" name="Rectangle 169">
@@ -12653,7 +12653,7 @@
             <p:spPr>
               <a:xfrm>
                 <a:off x="5416717" y="9899039"/>
-                <a:ext cx="4096378" cy="854658"/>
+                <a:ext cx="4145750" cy="854658"/>
               </a:xfrm>
               <a:prstGeom prst="rect">
                 <a:avLst/>
@@ -12867,7 +12867,7 @@
                             <a:ea typeface="Times New Roman" panose="02020603050405020304" pitchFamily="18" charset="0"/>
                             <a:cs typeface="Times New Roman" panose="02020603050405020304" pitchFamily="18" charset="0"/>
                           </a:rPr>
-                          <m:t>𝑤</m:t>
+                          <m:t>𝑣</m:t>
                         </m:r>
                       </m:e>
                       <m:sub>
@@ -13055,7 +13055,7 @@
             </p:txBody>
           </p:sp>
         </mc:Choice>
-        <mc:Fallback xmlns="">
+        <mc:Fallback>
           <p:sp>
             <p:nvSpPr>
               <p:cNvPr id="170" name="Rectangle 169">
@@ -13073,7 +13073,7 @@
             <p:spPr>
               <a:xfrm>
                 <a:off x="5416717" y="9899039"/>
-                <a:ext cx="4096378" cy="854658"/>
+                <a:ext cx="4145750" cy="854658"/>
               </a:xfrm>
               <a:prstGeom prst="rect">
                 <a:avLst/>
@@ -13081,7 +13081,7 @@
               <a:blipFill>
                 <a:blip r:embed="rId3"/>
                 <a:stretch>
-                  <a:fillRect l="-1235" b="-1429"/>
+                  <a:fillRect l="-1220" b="-1429"/>
                 </a:stretch>
               </a:blipFill>
               <a:ln>
@@ -13105,8 +13105,8 @@
           </p:sp>
         </mc:Fallback>
       </mc:AlternateContent>
-      <mc:AlternateContent xmlns:mc="http://schemas.openxmlformats.org/markup-compatibility/2006" xmlns:a14="http://schemas.microsoft.com/office/drawing/2010/main">
-        <mc:Choice Requires="a14">
+      <mc:AlternateContent xmlns:mc="http://schemas.openxmlformats.org/markup-compatibility/2006">
+        <mc:Choice xmlns:a14="http://schemas.microsoft.com/office/drawing/2010/main" Requires="a14">
           <p:sp>
             <p:nvSpPr>
               <p:cNvPr id="171" name="Rectangle 170">
@@ -13166,7 +13166,7 @@
                             <a:ea typeface="Times New Roman" panose="02020603050405020304" pitchFamily="18" charset="0"/>
                             <a:cs typeface="Times New Roman" panose="02020603050405020304" pitchFamily="18" charset="0"/>
                           </a:rPr>
-                          <m:t>𝑤</m:t>
+                          <m:t>𝑣</m:t>
                         </m:r>
                       </m:e>
                       <m:sub>
@@ -13206,7 +13206,7 @@
             </p:txBody>
           </p:sp>
         </mc:Choice>
-        <mc:Fallback xmlns="">
+        <mc:Fallback>
           <p:sp>
             <p:nvSpPr>
               <p:cNvPr id="171" name="Rectangle 170">
@@ -13256,8 +13256,8 @@
           </p:sp>
         </mc:Fallback>
       </mc:AlternateContent>
-      <mc:AlternateContent xmlns:mc="http://schemas.openxmlformats.org/markup-compatibility/2006">
-        <mc:Choice xmlns:a14="http://schemas.microsoft.com/office/drawing/2010/main" Requires="a14">
+      <mc:AlternateContent xmlns:mc="http://schemas.openxmlformats.org/markup-compatibility/2006" xmlns:a14="http://schemas.microsoft.com/office/drawing/2010/main">
+        <mc:Choice Requires="a14">
           <p:sp>
             <p:nvSpPr>
               <p:cNvPr id="172" name="Rectangle 171">
@@ -13399,7 +13399,7 @@
             </p:txBody>
           </p:sp>
         </mc:Choice>
-        <mc:Fallback>
+        <mc:Fallback xmlns="">
           <p:sp>
             <p:nvSpPr>
               <p:cNvPr id="172" name="Rectangle 171">
@@ -13595,9 +13595,9 @@
           <p:nvPr/>
         </p:nvCxnSpPr>
         <p:spPr>
-          <a:xfrm flipH="1">
-            <a:off x="7464906" y="8924849"/>
-            <a:ext cx="4862" cy="974190"/>
+          <a:xfrm>
+            <a:off x="7469768" y="8924849"/>
+            <a:ext cx="19824" cy="974190"/>
           </a:xfrm>
           <a:prstGeom prst="straightConnector1">
             <a:avLst/>
@@ -13641,8 +13641,8 @@
         </p:nvCxnSpPr>
         <p:spPr>
           <a:xfrm flipV="1">
-            <a:off x="9513095" y="10322729"/>
-            <a:ext cx="2346487" cy="3639"/>
+            <a:off x="9562467" y="10322729"/>
+            <a:ext cx="2297115" cy="3639"/>
           </a:xfrm>
           <a:prstGeom prst="straightConnector1">
             <a:avLst/>
@@ -13955,8 +13955,8 @@
           </a:p>
         </p:txBody>
       </p:sp>
-      <mc:AlternateContent xmlns:mc="http://schemas.openxmlformats.org/markup-compatibility/2006">
-        <mc:Choice xmlns:a14="http://schemas.microsoft.com/office/drawing/2010/main" Requires="a14">
+      <mc:AlternateContent xmlns:mc="http://schemas.openxmlformats.org/markup-compatibility/2006" xmlns:a14="http://schemas.microsoft.com/office/drawing/2010/main">
+        <mc:Choice Requires="a14">
           <p:sp>
             <p:nvSpPr>
               <p:cNvPr id="211" name="Rectangle 210">
@@ -13989,6 +13989,7 @@
               </a:bodyPr>
               <a:lstStyle/>
               <a:p>
+                <a:pPr/>
                 <a14:m>
                   <m:oMathPara xmlns:m="http://schemas.openxmlformats.org/officeDocument/2006/math">
                     <m:oMathParaPr>
@@ -14045,7 +14046,7 @@
             </p:txBody>
           </p:sp>
         </mc:Choice>
-        <mc:Fallback>
+        <mc:Fallback xmlns="">
           <p:sp>
             <p:nvSpPr>
               <p:cNvPr id="211" name="Rectangle 210">
@@ -14530,44 +14531,8 @@
           </a:fontRef>
         </p:style>
       </p:cxnSp>
-      <p:sp>
-        <p:nvSpPr>
-          <p:cNvPr id="196" name="TextBox 195">
-            <a:extLst>
-              <a:ext uri="{FF2B5EF4-FFF2-40B4-BE49-F238E27FC236}">
-                <a16:creationId xmlns:a16="http://schemas.microsoft.com/office/drawing/2014/main" id="{F98BD6AC-DB95-B146-9F8A-1EC414387966}"/>
-              </a:ext>
-            </a:extLst>
-          </p:cNvPr>
-          <p:cNvSpPr txBox="1"/>
-          <p:nvPr/>
-        </p:nvSpPr>
-        <p:spPr>
-          <a:xfrm>
-            <a:off x="5666808" y="1316158"/>
-            <a:ext cx="1107996" cy="369332"/>
-          </a:xfrm>
-          <a:prstGeom prst="rect">
-            <a:avLst/>
-          </a:prstGeom>
-          <a:noFill/>
-        </p:spPr>
-        <p:txBody>
-          <a:bodyPr wrap="none" rtlCol="0">
-            <a:spAutoFit/>
-          </a:bodyPr>
-          <a:lstStyle/>
-          <a:p>
-            <a:pPr lvl="1"/>
-            <a:r>
-              <a:rPr lang="en-US" dirty="0"/>
-              <a:t>	</a:t>
-            </a:r>
-          </a:p>
-        </p:txBody>
-      </p:sp>
-      <mc:AlternateContent xmlns:mc="http://schemas.openxmlformats.org/markup-compatibility/2006" xmlns:a14="http://schemas.microsoft.com/office/drawing/2010/main">
-        <mc:Choice Requires="a14">
+      <mc:AlternateContent xmlns:mc="http://schemas.openxmlformats.org/markup-compatibility/2006">
+        <mc:Choice xmlns:a14="http://schemas.microsoft.com/office/drawing/2010/main" Requires="a14">
           <p:sp>
             <p:nvSpPr>
               <p:cNvPr id="234" name="Rectangle 233">
@@ -14622,7 +14587,7 @@
                           <a:rPr lang="en-GB" b="0" i="1" smtClean="0">
                             <a:latin typeface="Cambria Math" panose="02040503050406030204" pitchFamily="18" charset="0"/>
                           </a:rPr>
-                          <m:t>𝑤</m:t>
+                          <m:t>𝑣</m:t>
                         </m:r>
                       </m:e>
                       <m:sub>
@@ -14647,7 +14612,7 @@
             </p:txBody>
           </p:sp>
         </mc:Choice>
-        <mc:Fallback xmlns="">
+        <mc:Fallback>
           <p:sp>
             <p:nvSpPr>
               <p:cNvPr id="234" name="Rectangle 233">
@@ -15087,7 +15052,7 @@
           </a:xfrm>
           <a:prstGeom prst="bentConnector3">
             <a:avLst>
-              <a:gd name="adj1" fmla="val 248761"/>
+              <a:gd name="adj1" fmla="val 239653"/>
             </a:avLst>
           </a:prstGeom>
           <a:ln>
@@ -15123,13 +15088,12 @@
           </p:cNvPr>
           <p:cNvCxnSpPr>
             <a:cxnSpLocks/>
-            <a:stCxn id="172" idx="3"/>
           </p:cNvCxnSpPr>
           <p:nvPr/>
         </p:nvCxnSpPr>
         <p:spPr>
           <a:xfrm>
-            <a:off x="13446683" y="10322729"/>
+            <a:off x="13428022" y="10322729"/>
             <a:ext cx="1639132" cy="0"/>
           </a:xfrm>
           <a:prstGeom prst="line">

--- a/figures/Powerpoint/DesginFlowcharts.pptx
+++ b/figures/Powerpoint/DesginFlowcharts.pptx
@@ -246,7 +246,7 @@
           <a:p>
             <a:fld id="{7854B9CE-4D77-C740-9A68-E4BD7A7A0860}" type="datetimeFigureOut">
               <a:rPr lang="en-GB" smtClean="0"/>
-              <a:t>04/06/2019</a:t>
+              <a:t>13/06/2019</a:t>
             </a:fld>
             <a:endParaRPr lang="en-GB"/>
           </a:p>
@@ -416,7 +416,7 @@
           <a:p>
             <a:fld id="{7854B9CE-4D77-C740-9A68-E4BD7A7A0860}" type="datetimeFigureOut">
               <a:rPr lang="en-GB" smtClean="0"/>
-              <a:t>04/06/2019</a:t>
+              <a:t>13/06/2019</a:t>
             </a:fld>
             <a:endParaRPr lang="en-GB"/>
           </a:p>
@@ -596,7 +596,7 @@
           <a:p>
             <a:fld id="{7854B9CE-4D77-C740-9A68-E4BD7A7A0860}" type="datetimeFigureOut">
               <a:rPr lang="en-GB" smtClean="0"/>
-              <a:t>04/06/2019</a:t>
+              <a:t>13/06/2019</a:t>
             </a:fld>
             <a:endParaRPr lang="en-GB"/>
           </a:p>
@@ -766,7 +766,7 @@
           <a:p>
             <a:fld id="{7854B9CE-4D77-C740-9A68-E4BD7A7A0860}" type="datetimeFigureOut">
               <a:rPr lang="en-GB" smtClean="0"/>
-              <a:t>04/06/2019</a:t>
+              <a:t>13/06/2019</a:t>
             </a:fld>
             <a:endParaRPr lang="en-GB"/>
           </a:p>
@@ -1010,7 +1010,7 @@
           <a:p>
             <a:fld id="{7854B9CE-4D77-C740-9A68-E4BD7A7A0860}" type="datetimeFigureOut">
               <a:rPr lang="en-GB" smtClean="0"/>
-              <a:t>04/06/2019</a:t>
+              <a:t>13/06/2019</a:t>
             </a:fld>
             <a:endParaRPr lang="en-GB"/>
           </a:p>
@@ -1242,7 +1242,7 @@
           <a:p>
             <a:fld id="{7854B9CE-4D77-C740-9A68-E4BD7A7A0860}" type="datetimeFigureOut">
               <a:rPr lang="en-GB" smtClean="0"/>
-              <a:t>04/06/2019</a:t>
+              <a:t>13/06/2019</a:t>
             </a:fld>
             <a:endParaRPr lang="en-GB"/>
           </a:p>
@@ -1609,7 +1609,7 @@
           <a:p>
             <a:fld id="{7854B9CE-4D77-C740-9A68-E4BD7A7A0860}" type="datetimeFigureOut">
               <a:rPr lang="en-GB" smtClean="0"/>
-              <a:t>04/06/2019</a:t>
+              <a:t>13/06/2019</a:t>
             </a:fld>
             <a:endParaRPr lang="en-GB"/>
           </a:p>
@@ -1727,7 +1727,7 @@
           <a:p>
             <a:fld id="{7854B9CE-4D77-C740-9A68-E4BD7A7A0860}" type="datetimeFigureOut">
               <a:rPr lang="en-GB" smtClean="0"/>
-              <a:t>04/06/2019</a:t>
+              <a:t>13/06/2019</a:t>
             </a:fld>
             <a:endParaRPr lang="en-GB"/>
           </a:p>
@@ -1822,7 +1822,7 @@
           <a:p>
             <a:fld id="{7854B9CE-4D77-C740-9A68-E4BD7A7A0860}" type="datetimeFigureOut">
               <a:rPr lang="en-GB" smtClean="0"/>
-              <a:t>04/06/2019</a:t>
+              <a:t>13/06/2019</a:t>
             </a:fld>
             <a:endParaRPr lang="en-GB"/>
           </a:p>
@@ -2099,7 +2099,7 @@
           <a:p>
             <a:fld id="{7854B9CE-4D77-C740-9A68-E4BD7A7A0860}" type="datetimeFigureOut">
               <a:rPr lang="en-GB" smtClean="0"/>
-              <a:t>04/06/2019</a:t>
+              <a:t>13/06/2019</a:t>
             </a:fld>
             <a:endParaRPr lang="en-GB"/>
           </a:p>
@@ -2356,7 +2356,7 @@
           <a:p>
             <a:fld id="{7854B9CE-4D77-C740-9A68-E4BD7A7A0860}" type="datetimeFigureOut">
               <a:rPr lang="en-GB" smtClean="0"/>
-              <a:t>04/06/2019</a:t>
+              <a:t>13/06/2019</a:t>
             </a:fld>
             <a:endParaRPr lang="en-GB"/>
           </a:p>
@@ -2569,7 +2569,7 @@
           <a:p>
             <a:fld id="{7854B9CE-4D77-C740-9A68-E4BD7A7A0860}" type="datetimeFigureOut">
               <a:rPr lang="en-GB" smtClean="0"/>
-              <a:t>04/06/2019</a:t>
+              <a:t>13/06/2019</a:t>
             </a:fld>
             <a:endParaRPr lang="en-GB"/>
           </a:p>
@@ -6901,8 +6901,8 @@
           </a:fontRef>
         </p:style>
       </p:cxnSp>
-      <mc:AlternateContent xmlns:mc="http://schemas.openxmlformats.org/markup-compatibility/2006">
-        <mc:Choice xmlns:a14="http://schemas.microsoft.com/office/drawing/2010/main" Requires="a14">
+      <mc:AlternateContent xmlns:mc="http://schemas.openxmlformats.org/markup-compatibility/2006" xmlns:a14="http://schemas.microsoft.com/office/drawing/2010/main">
+        <mc:Choice Requires="a14">
           <p:sp>
             <p:nvSpPr>
               <p:cNvPr id="68" name="TextBox 67">
@@ -7017,7 +7017,7 @@
             </p:txBody>
           </p:sp>
         </mc:Choice>
-        <mc:Fallback>
+        <mc:Fallback xmlns="">
           <p:sp>
             <p:nvSpPr>
               <p:cNvPr id="68" name="TextBox 67">
@@ -7240,8 +7240,8 @@
           </a:p>
         </p:txBody>
       </p:sp>
-      <mc:AlternateContent xmlns:mc="http://schemas.openxmlformats.org/markup-compatibility/2006">
-        <mc:Choice xmlns:a14="http://schemas.microsoft.com/office/drawing/2010/main" Requires="a14">
+      <mc:AlternateContent xmlns:mc="http://schemas.openxmlformats.org/markup-compatibility/2006" xmlns:a14="http://schemas.microsoft.com/office/drawing/2010/main">
+        <mc:Choice Requires="a14">
           <p:sp>
             <p:nvSpPr>
               <p:cNvPr id="86" name="TextBox 85">
@@ -7353,7 +7353,7 @@
             </p:txBody>
           </p:sp>
         </mc:Choice>
-        <mc:Fallback>
+        <mc:Fallback xmlns="">
           <p:sp>
             <p:nvSpPr>
               <p:cNvPr id="86" name="TextBox 85">
@@ -7444,8 +7444,8 @@
           </a:p>
         </p:txBody>
       </p:sp>
-      <mc:AlternateContent xmlns:mc="http://schemas.openxmlformats.org/markup-compatibility/2006">
-        <mc:Choice xmlns:a14="http://schemas.microsoft.com/office/drawing/2010/main" Requires="a14">
+      <mc:AlternateContent xmlns:mc="http://schemas.openxmlformats.org/markup-compatibility/2006" xmlns:a14="http://schemas.microsoft.com/office/drawing/2010/main">
+        <mc:Choice Requires="a14">
           <p:sp>
             <p:nvSpPr>
               <p:cNvPr id="91" name="TextBox 90">
@@ -7751,7 +7751,7 @@
             </p:txBody>
           </p:sp>
         </mc:Choice>
-        <mc:Fallback>
+        <mc:Fallback xmlns="">
           <p:sp>
             <p:nvSpPr>
               <p:cNvPr id="91" name="TextBox 90">
@@ -7844,8 +7844,8 @@
           </a:p>
         </p:txBody>
       </p:sp>
-      <mc:AlternateContent xmlns:mc="http://schemas.openxmlformats.org/markup-compatibility/2006">
-        <mc:Choice xmlns:a14="http://schemas.microsoft.com/office/drawing/2010/main" Requires="a14">
+      <mc:AlternateContent xmlns:mc="http://schemas.openxmlformats.org/markup-compatibility/2006" xmlns:a14="http://schemas.microsoft.com/office/drawing/2010/main">
+        <mc:Choice Requires="a14">
           <p:sp>
             <p:nvSpPr>
               <p:cNvPr id="133" name="TextBox 132">
@@ -8351,7 +8351,7 @@
             </p:txBody>
           </p:sp>
         </mc:Choice>
-        <mc:Fallback>
+        <mc:Fallback xmlns="">
           <p:sp>
             <p:nvSpPr>
               <p:cNvPr id="133" name="TextBox 132">
@@ -8910,8 +8910,8 @@
           </a:fontRef>
         </p:style>
       </p:cxnSp>
-      <mc:AlternateContent xmlns:mc="http://schemas.openxmlformats.org/markup-compatibility/2006">
-        <mc:Choice xmlns:a14="http://schemas.microsoft.com/office/drawing/2010/main" Requires="a14">
+      <mc:AlternateContent xmlns:mc="http://schemas.openxmlformats.org/markup-compatibility/2006" xmlns:a14="http://schemas.microsoft.com/office/drawing/2010/main">
+        <mc:Choice Requires="a14">
           <p:sp>
             <p:nvSpPr>
               <p:cNvPr id="184" name="Rectangle 183">
@@ -8991,7 +8991,7 @@
             </p:txBody>
           </p:sp>
         </mc:Choice>
-        <mc:Fallback>
+        <mc:Fallback xmlns="">
           <p:sp>
             <p:nvSpPr>
               <p:cNvPr id="184" name="Rectangle 183">
@@ -10826,8 +10826,8 @@
           </a:fontRef>
         </p:style>
       </p:cxnSp>
-      <mc:AlternateContent xmlns:mc="http://schemas.openxmlformats.org/markup-compatibility/2006">
-        <mc:Choice xmlns:a14="http://schemas.microsoft.com/office/drawing/2010/main" Requires="a14">
+      <mc:AlternateContent xmlns:mc="http://schemas.openxmlformats.org/markup-compatibility/2006" xmlns:a14="http://schemas.microsoft.com/office/drawing/2010/main">
+        <mc:Choice Requires="a14">
           <p:sp>
             <p:nvSpPr>
               <p:cNvPr id="252" name="Rectangle 251">
@@ -10907,7 +10907,7 @@
             </p:txBody>
           </p:sp>
         </mc:Choice>
-        <mc:Fallback>
+        <mc:Fallback xmlns="">
           <p:sp>
             <p:nvSpPr>
               <p:cNvPr id="252" name="Rectangle 251">
@@ -12442,21 +12442,35 @@
                     <a:latin typeface="Calibri" panose="020F0502020204030204" pitchFamily="34" charset="0"/>
                     <a:cs typeface="Calibri" panose="020F0502020204030204" pitchFamily="34" charset="0"/>
                   </a:rPr>
-                  <a:t> of </a:t>
+                  <a:t> </a:t>
                 </a:r>
                 <a:r>
-                  <a:rPr lang="en-GB" i="1" dirty="0" err="1">
+                  <a:rPr lang="en-GB">
                     <a:latin typeface="Calibri" panose="020F0502020204030204" pitchFamily="34" charset="0"/>
                     <a:cs typeface="Calibri" panose="020F0502020204030204" pitchFamily="34" charset="0"/>
                   </a:rPr>
-                  <a:t>coinbase</a:t>
+                  <a:t>of </a:t>
+                </a:r>
+                <a:r>
+                  <a:rPr lang="en-GB" i="1">
+                    <a:latin typeface="Calibri" panose="020F0502020204030204" pitchFamily="34" charset="0"/>
+                    <a:cs typeface="Calibri" panose="020F0502020204030204" pitchFamily="34" charset="0"/>
+                  </a:rPr>
+                  <a:t>compensation</a:t>
+                </a:r>
+                <a:r>
+                  <a:rPr lang="en-GB">
+                    <a:latin typeface="Calibri" panose="020F0502020204030204" pitchFamily="34" charset="0"/>
+                    <a:cs typeface="Calibri" panose="020F0502020204030204" pitchFamily="34" charset="0"/>
+                  </a:rPr>
+                  <a:t> </a:t>
                 </a:r>
                 <a:r>
                   <a:rPr lang="en-GB" dirty="0">
                     <a:latin typeface="Calibri" panose="020F0502020204030204" pitchFamily="34" charset="0"/>
                     <a:cs typeface="Calibri" panose="020F0502020204030204" pitchFamily="34" charset="0"/>
                   </a:rPr>
-                  <a:t> entries for each producer with identifier verifiably in </a:t>
+                  <a:t>entries for each producer with identifier verifiably in </a:t>
                 </a:r>
                 <a14:m>
                   <m:oMath xmlns:m="http://schemas.openxmlformats.org/officeDocument/2006/math">
@@ -12636,8 +12650,8 @@
           </p:sp>
         </mc:Fallback>
       </mc:AlternateContent>
-      <mc:AlternateContent xmlns:mc="http://schemas.openxmlformats.org/markup-compatibility/2006">
-        <mc:Choice xmlns:a14="http://schemas.microsoft.com/office/drawing/2010/main" Requires="a14">
+      <mc:AlternateContent xmlns:mc="http://schemas.openxmlformats.org/markup-compatibility/2006" xmlns:a14="http://schemas.microsoft.com/office/drawing/2010/main">
+        <mc:Choice Requires="a14">
           <p:sp>
             <p:nvSpPr>
               <p:cNvPr id="170" name="Rectangle 169">
@@ -13055,7 +13069,7 @@
             </p:txBody>
           </p:sp>
         </mc:Choice>
-        <mc:Fallback>
+        <mc:Fallback xmlns="">
           <p:sp>
             <p:nvSpPr>
               <p:cNvPr id="170" name="Rectangle 169">
@@ -13105,8 +13119,8 @@
           </p:sp>
         </mc:Fallback>
       </mc:AlternateContent>
-      <mc:AlternateContent xmlns:mc="http://schemas.openxmlformats.org/markup-compatibility/2006">
-        <mc:Choice xmlns:a14="http://schemas.microsoft.com/office/drawing/2010/main" Requires="a14">
+      <mc:AlternateContent xmlns:mc="http://schemas.openxmlformats.org/markup-compatibility/2006" xmlns:a14="http://schemas.microsoft.com/office/drawing/2010/main">
+        <mc:Choice Requires="a14">
           <p:sp>
             <p:nvSpPr>
               <p:cNvPr id="171" name="Rectangle 170">
@@ -13206,7 +13220,7 @@
             </p:txBody>
           </p:sp>
         </mc:Choice>
-        <mc:Fallback>
+        <mc:Fallback xmlns="">
           <p:sp>
             <p:nvSpPr>
               <p:cNvPr id="171" name="Rectangle 170">
@@ -14531,8 +14545,8 @@
           </a:fontRef>
         </p:style>
       </p:cxnSp>
-      <mc:AlternateContent xmlns:mc="http://schemas.openxmlformats.org/markup-compatibility/2006">
-        <mc:Choice xmlns:a14="http://schemas.microsoft.com/office/drawing/2010/main" Requires="a14">
+      <mc:AlternateContent xmlns:mc="http://schemas.openxmlformats.org/markup-compatibility/2006" xmlns:a14="http://schemas.microsoft.com/office/drawing/2010/main">
+        <mc:Choice Requires="a14">
           <p:sp>
             <p:nvSpPr>
               <p:cNvPr id="234" name="Rectangle 233">
@@ -14612,7 +14626,7 @@
             </p:txBody>
           </p:sp>
         </mc:Choice>
-        <mc:Fallback>
+        <mc:Fallback xmlns="">
           <p:sp>
             <p:nvSpPr>
               <p:cNvPr id="234" name="Rectangle 233">

--- a/figures/Powerpoint/DesginFlowcharts.pptx
+++ b/figures/Powerpoint/DesginFlowcharts.pptx
@@ -246,7 +246,7 @@
           <a:p>
             <a:fld id="{7854B9CE-4D77-C740-9A68-E4BD7A7A0860}" type="datetimeFigureOut">
               <a:rPr lang="en-GB" smtClean="0"/>
-              <a:t>13/06/2019</a:t>
+              <a:t>26/06/2019</a:t>
             </a:fld>
             <a:endParaRPr lang="en-GB"/>
           </a:p>
@@ -416,7 +416,7 @@
           <a:p>
             <a:fld id="{7854B9CE-4D77-C740-9A68-E4BD7A7A0860}" type="datetimeFigureOut">
               <a:rPr lang="en-GB" smtClean="0"/>
-              <a:t>13/06/2019</a:t>
+              <a:t>26/06/2019</a:t>
             </a:fld>
             <a:endParaRPr lang="en-GB"/>
           </a:p>
@@ -596,7 +596,7 @@
           <a:p>
             <a:fld id="{7854B9CE-4D77-C740-9A68-E4BD7A7A0860}" type="datetimeFigureOut">
               <a:rPr lang="en-GB" smtClean="0"/>
-              <a:t>13/06/2019</a:t>
+              <a:t>26/06/2019</a:t>
             </a:fld>
             <a:endParaRPr lang="en-GB"/>
           </a:p>
@@ -766,7 +766,7 @@
           <a:p>
             <a:fld id="{7854B9CE-4D77-C740-9A68-E4BD7A7A0860}" type="datetimeFigureOut">
               <a:rPr lang="en-GB" smtClean="0"/>
-              <a:t>13/06/2019</a:t>
+              <a:t>26/06/2019</a:t>
             </a:fld>
             <a:endParaRPr lang="en-GB"/>
           </a:p>
@@ -1010,7 +1010,7 @@
           <a:p>
             <a:fld id="{7854B9CE-4D77-C740-9A68-E4BD7A7A0860}" type="datetimeFigureOut">
               <a:rPr lang="en-GB" smtClean="0"/>
-              <a:t>13/06/2019</a:t>
+              <a:t>26/06/2019</a:t>
             </a:fld>
             <a:endParaRPr lang="en-GB"/>
           </a:p>
@@ -1242,7 +1242,7 @@
           <a:p>
             <a:fld id="{7854B9CE-4D77-C740-9A68-E4BD7A7A0860}" type="datetimeFigureOut">
               <a:rPr lang="en-GB" smtClean="0"/>
-              <a:t>13/06/2019</a:t>
+              <a:t>26/06/2019</a:t>
             </a:fld>
             <a:endParaRPr lang="en-GB"/>
           </a:p>
@@ -1609,7 +1609,7 @@
           <a:p>
             <a:fld id="{7854B9CE-4D77-C740-9A68-E4BD7A7A0860}" type="datetimeFigureOut">
               <a:rPr lang="en-GB" smtClean="0"/>
-              <a:t>13/06/2019</a:t>
+              <a:t>26/06/2019</a:t>
             </a:fld>
             <a:endParaRPr lang="en-GB"/>
           </a:p>
@@ -1727,7 +1727,7 @@
           <a:p>
             <a:fld id="{7854B9CE-4D77-C740-9A68-E4BD7A7A0860}" type="datetimeFigureOut">
               <a:rPr lang="en-GB" smtClean="0"/>
-              <a:t>13/06/2019</a:t>
+              <a:t>26/06/2019</a:t>
             </a:fld>
             <a:endParaRPr lang="en-GB"/>
           </a:p>
@@ -1822,7 +1822,7 @@
           <a:p>
             <a:fld id="{7854B9CE-4D77-C740-9A68-E4BD7A7A0860}" type="datetimeFigureOut">
               <a:rPr lang="en-GB" smtClean="0"/>
-              <a:t>13/06/2019</a:t>
+              <a:t>26/06/2019</a:t>
             </a:fld>
             <a:endParaRPr lang="en-GB"/>
           </a:p>
@@ -2099,7 +2099,7 @@
           <a:p>
             <a:fld id="{7854B9CE-4D77-C740-9A68-E4BD7A7A0860}" type="datetimeFigureOut">
               <a:rPr lang="en-GB" smtClean="0"/>
-              <a:t>13/06/2019</a:t>
+              <a:t>26/06/2019</a:t>
             </a:fld>
             <a:endParaRPr lang="en-GB"/>
           </a:p>
@@ -2356,7 +2356,7 @@
           <a:p>
             <a:fld id="{7854B9CE-4D77-C740-9A68-E4BD7A7A0860}" type="datetimeFigureOut">
               <a:rPr lang="en-GB" smtClean="0"/>
-              <a:t>13/06/2019</a:t>
+              <a:t>26/06/2019</a:t>
             </a:fld>
             <a:endParaRPr lang="en-GB"/>
           </a:p>
@@ -2569,7 +2569,7 @@
           <a:p>
             <a:fld id="{7854B9CE-4D77-C740-9A68-E4BD7A7A0860}" type="datetimeFigureOut">
               <a:rPr lang="en-GB" smtClean="0"/>
-              <a:t>13/06/2019</a:t>
+              <a:t>26/06/2019</a:t>
             </a:fld>
             <a:endParaRPr lang="en-GB"/>
           </a:p>
@@ -6489,8 +6489,8 @@
           </p:sp>
         </mc:Fallback>
       </mc:AlternateContent>
-      <mc:AlternateContent xmlns:mc="http://schemas.openxmlformats.org/markup-compatibility/2006" xmlns:a14="http://schemas.microsoft.com/office/drawing/2010/main">
-        <mc:Choice Requires="a14">
+      <mc:AlternateContent xmlns:mc="http://schemas.openxmlformats.org/markup-compatibility/2006">
+        <mc:Choice xmlns:a14="http://schemas.microsoft.com/office/drawing/2010/main" Requires="a14">
           <p:sp>
             <p:nvSpPr>
               <p:cNvPr id="59" name="TextBox 58">
@@ -6506,7 +6506,7 @@
             <p:spPr>
               <a:xfrm>
                 <a:off x="5888889" y="15548791"/>
-                <a:ext cx="5476303" cy="395045"/>
+                <a:ext cx="4403315" cy="395045"/>
               </a:xfrm>
               <a:prstGeom prst="rect">
                 <a:avLst/>
@@ -6607,16 +6607,28 @@
                           </a:rPr>
                           <m:t>j</m:t>
                         </m:r>
+                        <m:r>
+                          <a:rPr lang="en-GB" b="0" i="1" smtClean="0">
+                            <a:latin typeface="Cambria Math" panose="02040503050406030204" pitchFamily="18" charset="0"/>
+                          </a:rPr>
+                          <m:t> </m:t>
+                        </m:r>
                       </m:sub>
                     </m:sSub>
                     <m:r>
                       <a:rPr lang="en-GB" i="1">
                         <a:latin typeface="Cambria Math" panose="02040503050406030204" pitchFamily="18" charset="0"/>
                       </a:rPr>
-                      <m:t>+</m:t>
+                      <m:t>||</m:t>
                     </m:r>
                     <m:r>
-                      <a:rPr lang="en-GB" i="1">
+                      <a:rPr lang="en-GB" b="0" i="1" smtClean="0">
+                        <a:latin typeface="Cambria Math" panose="02040503050406030204" pitchFamily="18" charset="0"/>
+                      </a:rPr>
+                      <m:t> </m:t>
+                    </m:r>
+                    <m:r>
+                      <a:rPr lang="en-GB" b="0" i="1" smtClean="0">
                         <a:latin typeface="Cambria Math" panose="02040503050406030204" pitchFamily="18" charset="0"/>
                       </a:rPr>
                       <m:t>𝐼</m:t>
@@ -6702,34 +6714,16 @@
                       <m:t>=</m:t>
                     </m:r>
                     <m:r>
-                      <m:rPr>
-                        <m:sty m:val="p"/>
-                      </m:rPr>
-                      <a:rPr lang="en-GB" b="0" i="0" smtClean="0">
+                      <a:rPr lang="en-GB" b="0" i="1" smtClean="0">
                         <a:latin typeface="Cambria Math" panose="02040503050406030204" pitchFamily="18" charset="0"/>
                       </a:rPr>
-                      <m:t>blake</m:t>
+                      <m:t>𝐻</m:t>
                     </m:r>
                     <m:r>
                       <a:rPr lang="en-GB" b="0" i="0" smtClean="0">
                         <a:latin typeface="Cambria Math" panose="02040503050406030204" pitchFamily="18" charset="0"/>
                       </a:rPr>
-                      <m:t>2</m:t>
-                    </m:r>
-                    <m:r>
-                      <m:rPr>
-                        <m:sty m:val="p"/>
-                      </m:rPr>
-                      <a:rPr lang="en-GB" b="0" i="0" smtClean="0">
-                        <a:latin typeface="Cambria Math" panose="02040503050406030204" pitchFamily="18" charset="0"/>
-                      </a:rPr>
-                      <m:t>b</m:t>
-                    </m:r>
-                    <m:r>
-                      <a:rPr lang="en-GB" b="0" i="0" smtClean="0">
-                        <a:latin typeface="Cambria Math" panose="02040503050406030204" pitchFamily="18" charset="0"/>
-                      </a:rPr>
-                      <m:t>256(</m:t>
+                      <m:t>(</m:t>
                     </m:r>
                     <m:r>
                       <a:rPr lang="en-GB" i="1">
@@ -6803,7 +6797,7 @@
             </p:txBody>
           </p:sp>
         </mc:Choice>
-        <mc:Fallback xmlns="">
+        <mc:Fallback>
           <p:sp>
             <p:nvSpPr>
               <p:cNvPr id="59" name="TextBox 58">
@@ -6821,7 +6815,7 @@
             <p:spPr>
               <a:xfrm>
                 <a:off x="5888889" y="15548791"/>
-                <a:ext cx="5476303" cy="395045"/>
+                <a:ext cx="4403315" cy="395045"/>
               </a:xfrm>
               <a:prstGeom prst="rect">
                 <a:avLst/>
@@ -6829,7 +6823,7 @@
               <a:blipFill>
                 <a:blip r:embed="rId9"/>
                 <a:stretch>
-                  <a:fillRect l="-924" t="-6250" b="-12500"/>
+                  <a:fillRect l="-1149" t="-6250" b="-12500"/>
                 </a:stretch>
               </a:blipFill>
               <a:ln>
@@ -6843,7 +6837,7 @@
               <a:lstStyle/>
               <a:p>
                 <a:r>
-                  <a:rPr lang="en-US">
+                  <a:rPr lang="en-GB">
                     <a:noFill/>
                   </a:rPr>
                   <a:t> </a:t>
@@ -8637,15 +8631,13 @@
           </p:cNvPr>
           <p:cNvCxnSpPr>
             <a:cxnSpLocks/>
-            <a:stCxn id="59" idx="3"/>
-            <a:endCxn id="155" idx="1"/>
           </p:cNvCxnSpPr>
           <p:nvPr/>
         </p:nvCxnSpPr>
         <p:spPr>
           <a:xfrm>
-            <a:off x="11365192" y="15746314"/>
-            <a:ext cx="947857" cy="0"/>
+            <a:off x="10292204" y="15746314"/>
+            <a:ext cx="2020844" cy="0"/>
           </a:xfrm>
           <a:prstGeom prst="straightConnector1">
             <a:avLst/>
@@ -11849,8 +11841,8 @@
           </a:fontRef>
         </p:style>
       </p:cxnSp>
-      <mc:AlternateContent xmlns:mc="http://schemas.openxmlformats.org/markup-compatibility/2006">
-        <mc:Choice xmlns:a14="http://schemas.microsoft.com/office/drawing/2010/main" Requires="a14">
+      <mc:AlternateContent xmlns:mc="http://schemas.openxmlformats.org/markup-compatibility/2006" xmlns:a14="http://schemas.microsoft.com/office/drawing/2010/main">
+        <mc:Choice Requires="a14">
           <p:sp>
             <p:nvSpPr>
               <p:cNvPr id="169" name="TextBox 168">
@@ -12600,7 +12592,7 @@
             </p:txBody>
           </p:sp>
         </mc:Choice>
-        <mc:Fallback>
+        <mc:Fallback xmlns="">
           <p:sp>
             <p:nvSpPr>
               <p:cNvPr id="169" name="TextBox 168">

--- a/figures/Powerpoint/DesginFlowcharts.pptx
+++ b/figures/Powerpoint/DesginFlowcharts.pptx
@@ -246,7 +246,7 @@
           <a:p>
             <a:fld id="{7854B9CE-4D77-C740-9A68-E4BD7A7A0860}" type="datetimeFigureOut">
               <a:rPr lang="en-GB" smtClean="0"/>
-              <a:t>26/06/2019</a:t>
+              <a:t>28/06/2019</a:t>
             </a:fld>
             <a:endParaRPr lang="en-GB"/>
           </a:p>
@@ -416,7 +416,7 @@
           <a:p>
             <a:fld id="{7854B9CE-4D77-C740-9A68-E4BD7A7A0860}" type="datetimeFigureOut">
               <a:rPr lang="en-GB" smtClean="0"/>
-              <a:t>26/06/2019</a:t>
+              <a:t>28/06/2019</a:t>
             </a:fld>
             <a:endParaRPr lang="en-GB"/>
           </a:p>
@@ -596,7 +596,7 @@
           <a:p>
             <a:fld id="{7854B9CE-4D77-C740-9A68-E4BD7A7A0860}" type="datetimeFigureOut">
               <a:rPr lang="en-GB" smtClean="0"/>
-              <a:t>26/06/2019</a:t>
+              <a:t>28/06/2019</a:t>
             </a:fld>
             <a:endParaRPr lang="en-GB"/>
           </a:p>
@@ -766,7 +766,7 @@
           <a:p>
             <a:fld id="{7854B9CE-4D77-C740-9A68-E4BD7A7A0860}" type="datetimeFigureOut">
               <a:rPr lang="en-GB" smtClean="0"/>
-              <a:t>26/06/2019</a:t>
+              <a:t>28/06/2019</a:t>
             </a:fld>
             <a:endParaRPr lang="en-GB"/>
           </a:p>
@@ -1010,7 +1010,7 @@
           <a:p>
             <a:fld id="{7854B9CE-4D77-C740-9A68-E4BD7A7A0860}" type="datetimeFigureOut">
               <a:rPr lang="en-GB" smtClean="0"/>
-              <a:t>26/06/2019</a:t>
+              <a:t>28/06/2019</a:t>
             </a:fld>
             <a:endParaRPr lang="en-GB"/>
           </a:p>
@@ -1242,7 +1242,7 @@
           <a:p>
             <a:fld id="{7854B9CE-4D77-C740-9A68-E4BD7A7A0860}" type="datetimeFigureOut">
               <a:rPr lang="en-GB" smtClean="0"/>
-              <a:t>26/06/2019</a:t>
+              <a:t>28/06/2019</a:t>
             </a:fld>
             <a:endParaRPr lang="en-GB"/>
           </a:p>
@@ -1609,7 +1609,7 @@
           <a:p>
             <a:fld id="{7854B9CE-4D77-C740-9A68-E4BD7A7A0860}" type="datetimeFigureOut">
               <a:rPr lang="en-GB" smtClean="0"/>
-              <a:t>26/06/2019</a:t>
+              <a:t>28/06/2019</a:t>
             </a:fld>
             <a:endParaRPr lang="en-GB"/>
           </a:p>
@@ -1727,7 +1727,7 @@
           <a:p>
             <a:fld id="{7854B9CE-4D77-C740-9A68-E4BD7A7A0860}" type="datetimeFigureOut">
               <a:rPr lang="en-GB" smtClean="0"/>
-              <a:t>26/06/2019</a:t>
+              <a:t>28/06/2019</a:t>
             </a:fld>
             <a:endParaRPr lang="en-GB"/>
           </a:p>
@@ -1822,7 +1822,7 @@
           <a:p>
             <a:fld id="{7854B9CE-4D77-C740-9A68-E4BD7A7A0860}" type="datetimeFigureOut">
               <a:rPr lang="en-GB" smtClean="0"/>
-              <a:t>26/06/2019</a:t>
+              <a:t>28/06/2019</a:t>
             </a:fld>
             <a:endParaRPr lang="en-GB"/>
           </a:p>
@@ -2099,7 +2099,7 @@
           <a:p>
             <a:fld id="{7854B9CE-4D77-C740-9A68-E4BD7A7A0860}" type="datetimeFigureOut">
               <a:rPr lang="en-GB" smtClean="0"/>
-              <a:t>26/06/2019</a:t>
+              <a:t>28/06/2019</a:t>
             </a:fld>
             <a:endParaRPr lang="en-GB"/>
           </a:p>
@@ -2356,7 +2356,7 @@
           <a:p>
             <a:fld id="{7854B9CE-4D77-C740-9A68-E4BD7A7A0860}" type="datetimeFigureOut">
               <a:rPr lang="en-GB" smtClean="0"/>
-              <a:t>26/06/2019</a:t>
+              <a:t>28/06/2019</a:t>
             </a:fld>
             <a:endParaRPr lang="en-GB"/>
           </a:p>
@@ -2569,7 +2569,7 @@
           <a:p>
             <a:fld id="{7854B9CE-4D77-C740-9A68-E4BD7A7A0860}" type="datetimeFigureOut">
               <a:rPr lang="en-GB" smtClean="0"/>
-              <a:t>26/06/2019</a:t>
+              <a:t>28/06/2019</a:t>
             </a:fld>
             <a:endParaRPr lang="en-GB"/>
           </a:p>
@@ -6142,7 +6142,7 @@
         </p:nvSpPr>
         <p:spPr>
           <a:xfrm>
-            <a:off x="12067097" y="13354741"/>
+            <a:off x="11010307" y="7957848"/>
             <a:ext cx="4340355" cy="369332"/>
           </a:xfrm>
           <a:prstGeom prst="rect">
@@ -6180,7 +6180,7 @@
         </p:nvSpPr>
         <p:spPr>
           <a:xfrm>
-            <a:off x="12067096" y="13284306"/>
+            <a:off x="10944513" y="7965249"/>
             <a:ext cx="4340355" cy="771391"/>
           </a:xfrm>
           <a:prstGeom prst="rect">
@@ -6368,8 +6368,8 @@
           </a:p>
         </p:txBody>
       </p:sp>
-      <mc:AlternateContent xmlns:mc="http://schemas.openxmlformats.org/markup-compatibility/2006" xmlns:a14="http://schemas.microsoft.com/office/drawing/2010/main">
-        <mc:Choice Requires="a14">
+      <mc:AlternateContent xmlns:mc="http://schemas.openxmlformats.org/markup-compatibility/2006">
+        <mc:Choice xmlns:a14="http://schemas.microsoft.com/office/drawing/2010/main" Requires="a14">
           <p:sp>
             <p:nvSpPr>
               <p:cNvPr id="58" name="TextBox 57">
@@ -6384,7 +6384,7 @@
             </p:nvSpPr>
             <p:spPr>
               <a:xfrm>
-                <a:off x="12044795" y="13674344"/>
+                <a:off x="10988005" y="8277451"/>
                 <a:ext cx="4089838" cy="369332"/>
               </a:xfrm>
               <a:prstGeom prst="rect">
@@ -6441,7 +6441,7 @@
             </p:txBody>
           </p:sp>
         </mc:Choice>
-        <mc:Fallback xmlns="">
+        <mc:Fallback>
           <p:sp>
             <p:nvSpPr>
               <p:cNvPr id="58" name="TextBox 57">
@@ -6458,7 +6458,7 @@
             </p:nvSpPr>
             <p:spPr>
               <a:xfrm>
-                <a:off x="12044795" y="13674344"/>
+                <a:off x="10988005" y="8277451"/>
                 <a:ext cx="4089838" cy="369332"/>
               </a:xfrm>
               <a:prstGeom prst="rect">
@@ -6479,7 +6479,7 @@
               <a:lstStyle/>
               <a:p>
                 <a:r>
-                  <a:rPr lang="en-US">
+                  <a:rPr lang="en-GB">
                     <a:noFill/>
                   </a:rPr>
                   <a:t> </a:t>
@@ -6489,8 +6489,8 @@
           </p:sp>
         </mc:Fallback>
       </mc:AlternateContent>
-      <mc:AlternateContent xmlns:mc="http://schemas.openxmlformats.org/markup-compatibility/2006">
-        <mc:Choice xmlns:a14="http://schemas.microsoft.com/office/drawing/2010/main" Requires="a14">
+      <mc:AlternateContent xmlns:mc="http://schemas.openxmlformats.org/markup-compatibility/2006" xmlns:a14="http://schemas.microsoft.com/office/drawing/2010/main">
+        <mc:Choice Requires="a14">
           <p:sp>
             <p:nvSpPr>
               <p:cNvPr id="59" name="TextBox 58">
@@ -6797,7 +6797,7 @@
             </p:txBody>
           </p:sp>
         </mc:Choice>
-        <mc:Fallback>
+        <mc:Fallback xmlns="">
           <p:sp>
             <p:nvSpPr>
               <p:cNvPr id="59" name="TextBox 58">

--- a/figures/Powerpoint/DesginFlowcharts.pptx
+++ b/figures/Powerpoint/DesginFlowcharts.pptx
@@ -246,7 +246,7 @@
           <a:p>
             <a:fld id="{7854B9CE-4D77-C740-9A68-E4BD7A7A0860}" type="datetimeFigureOut">
               <a:rPr lang="en-GB" smtClean="0"/>
-              <a:t>28/06/2019</a:t>
+              <a:t>17/07/2019</a:t>
             </a:fld>
             <a:endParaRPr lang="en-GB"/>
           </a:p>
@@ -416,7 +416,7 @@
           <a:p>
             <a:fld id="{7854B9CE-4D77-C740-9A68-E4BD7A7A0860}" type="datetimeFigureOut">
               <a:rPr lang="en-GB" smtClean="0"/>
-              <a:t>28/06/2019</a:t>
+              <a:t>17/07/2019</a:t>
             </a:fld>
             <a:endParaRPr lang="en-GB"/>
           </a:p>
@@ -596,7 +596,7 @@
           <a:p>
             <a:fld id="{7854B9CE-4D77-C740-9A68-E4BD7A7A0860}" type="datetimeFigureOut">
               <a:rPr lang="en-GB" smtClean="0"/>
-              <a:t>28/06/2019</a:t>
+              <a:t>17/07/2019</a:t>
             </a:fld>
             <a:endParaRPr lang="en-GB"/>
           </a:p>
@@ -766,7 +766,7 @@
           <a:p>
             <a:fld id="{7854B9CE-4D77-C740-9A68-E4BD7A7A0860}" type="datetimeFigureOut">
               <a:rPr lang="en-GB" smtClean="0"/>
-              <a:t>28/06/2019</a:t>
+              <a:t>17/07/2019</a:t>
             </a:fld>
             <a:endParaRPr lang="en-GB"/>
           </a:p>
@@ -1010,7 +1010,7 @@
           <a:p>
             <a:fld id="{7854B9CE-4D77-C740-9A68-E4BD7A7A0860}" type="datetimeFigureOut">
               <a:rPr lang="en-GB" smtClean="0"/>
-              <a:t>28/06/2019</a:t>
+              <a:t>17/07/2019</a:t>
             </a:fld>
             <a:endParaRPr lang="en-GB"/>
           </a:p>
@@ -1242,7 +1242,7 @@
           <a:p>
             <a:fld id="{7854B9CE-4D77-C740-9A68-E4BD7A7A0860}" type="datetimeFigureOut">
               <a:rPr lang="en-GB" smtClean="0"/>
-              <a:t>28/06/2019</a:t>
+              <a:t>17/07/2019</a:t>
             </a:fld>
             <a:endParaRPr lang="en-GB"/>
           </a:p>
@@ -1609,7 +1609,7 @@
           <a:p>
             <a:fld id="{7854B9CE-4D77-C740-9A68-E4BD7A7A0860}" type="datetimeFigureOut">
               <a:rPr lang="en-GB" smtClean="0"/>
-              <a:t>28/06/2019</a:t>
+              <a:t>17/07/2019</a:t>
             </a:fld>
             <a:endParaRPr lang="en-GB"/>
           </a:p>
@@ -1727,7 +1727,7 @@
           <a:p>
             <a:fld id="{7854B9CE-4D77-C740-9A68-E4BD7A7A0860}" type="datetimeFigureOut">
               <a:rPr lang="en-GB" smtClean="0"/>
-              <a:t>28/06/2019</a:t>
+              <a:t>17/07/2019</a:t>
             </a:fld>
             <a:endParaRPr lang="en-GB"/>
           </a:p>
@@ -1822,7 +1822,7 @@
           <a:p>
             <a:fld id="{7854B9CE-4D77-C740-9A68-E4BD7A7A0860}" type="datetimeFigureOut">
               <a:rPr lang="en-GB" smtClean="0"/>
-              <a:t>28/06/2019</a:t>
+              <a:t>17/07/2019</a:t>
             </a:fld>
             <a:endParaRPr lang="en-GB"/>
           </a:p>
@@ -2099,7 +2099,7 @@
           <a:p>
             <a:fld id="{7854B9CE-4D77-C740-9A68-E4BD7A7A0860}" type="datetimeFigureOut">
               <a:rPr lang="en-GB" smtClean="0"/>
-              <a:t>28/06/2019</a:t>
+              <a:t>17/07/2019</a:t>
             </a:fld>
             <a:endParaRPr lang="en-GB"/>
           </a:p>
@@ -2356,7 +2356,7 @@
           <a:p>
             <a:fld id="{7854B9CE-4D77-C740-9A68-E4BD7A7A0860}" type="datetimeFigureOut">
               <a:rPr lang="en-GB" smtClean="0"/>
-              <a:t>28/06/2019</a:t>
+              <a:t>17/07/2019</a:t>
             </a:fld>
             <a:endParaRPr lang="en-GB"/>
           </a:p>
@@ -2569,7 +2569,7 @@
           <a:p>
             <a:fld id="{7854B9CE-4D77-C740-9A68-E4BD7A7A0860}" type="datetimeFigureOut">
               <a:rPr lang="en-GB" smtClean="0"/>
-              <a:t>28/06/2019</a:t>
+              <a:t>17/07/2019</a:t>
             </a:fld>
             <a:endParaRPr lang="en-GB"/>
           </a:p>
@@ -4071,8 +4071,8 @@
           </p:sp>
         </mc:Fallback>
       </mc:AlternateContent>
-      <mc:AlternateContent xmlns:mc="http://schemas.openxmlformats.org/markup-compatibility/2006" xmlns:a14="http://schemas.microsoft.com/office/drawing/2010/main">
-        <mc:Choice Requires="a14">
+      <mc:AlternateContent xmlns:mc="http://schemas.openxmlformats.org/markup-compatibility/2006">
+        <mc:Choice xmlns:a14="http://schemas.microsoft.com/office/drawing/2010/main" Requires="a14">
           <p:sp>
             <p:nvSpPr>
               <p:cNvPr id="24" name="TextBox 23">
@@ -4376,8 +4376,9 @@
                     <m:r>
                       <a:rPr lang="en-GB" b="0" i="1" dirty="0" smtClean="0">
                         <a:latin typeface="Cambria Math" panose="02040503050406030204" pitchFamily="18" charset="0"/>
+                        <a:ea typeface="Cambria Math" panose="02040503050406030204" pitchFamily="18" charset="0"/>
                       </a:rPr>
-                      <m:t>𝑠</m:t>
+                      <m:t>𝜎</m:t>
                     </m:r>
                   </m:oMath>
                 </a14:m>
@@ -4573,7 +4574,7 @@
             </p:txBody>
           </p:sp>
         </mc:Choice>
-        <mc:Fallback xmlns="">
+        <mc:Fallback>
           <p:sp>
             <p:nvSpPr>
               <p:cNvPr id="24" name="TextBox 23">
@@ -4613,7 +4614,7 @@
               <a:lstStyle/>
               <a:p>
                 <a:r>
-                  <a:rPr lang="en-US">
+                  <a:rPr lang="en-GB">
                     <a:noFill/>
                   </a:rPr>
                   <a:t> </a:t>
@@ -6368,8 +6369,8 @@
           </a:p>
         </p:txBody>
       </p:sp>
-      <mc:AlternateContent xmlns:mc="http://schemas.openxmlformats.org/markup-compatibility/2006">
-        <mc:Choice xmlns:a14="http://schemas.microsoft.com/office/drawing/2010/main" Requires="a14">
+      <mc:AlternateContent xmlns:mc="http://schemas.openxmlformats.org/markup-compatibility/2006" xmlns:a14="http://schemas.microsoft.com/office/drawing/2010/main">
+        <mc:Choice Requires="a14">
           <p:sp>
             <p:nvSpPr>
               <p:cNvPr id="58" name="TextBox 57">
@@ -6441,7 +6442,7 @@
             </p:txBody>
           </p:sp>
         </mc:Choice>
-        <mc:Fallback>
+        <mc:Fallback xmlns="">
           <p:sp>
             <p:nvSpPr>
               <p:cNvPr id="58" name="TextBox 57">
